--- a/doc/React-5.pptx
+++ b/doc/React-5.pptx
@@ -14,6 +14,8 @@
     <p:sldId id="263" r:id="rId8"/>
     <p:sldId id="265" r:id="rId9"/>
     <p:sldId id="264" r:id="rId10"/>
+    <p:sldId id="266" r:id="rId11"/>
+    <p:sldId id="268" r:id="rId12"/>
   </p:sldIdLst>
   <p:sldSz cx="12192000" cy="6858000"/>
   <p:notesSz cx="6858000" cy="9144000"/>
@@ -390,7 +392,7 @@
           <a:p>
             <a:fld id="{9184DA70-C731-4C70-880D-CCD4705E623C}" type="datetime1">
               <a:rPr lang="en-US" smtClean="0"/>
-              <a:t>9/27/2021</a:t>
+              <a:t>9/28/2021</a:t>
             </a:fld>
             <a:endParaRPr lang="en-US" dirty="0"/>
           </a:p>
@@ -578,7 +580,7 @@
           <a:p>
             <a:fld id="{B612A279-0833-481D-8C56-F67FD0AC6C50}" type="datetime1">
               <a:rPr lang="en-US" smtClean="0"/>
-              <a:t>9/27/2021</a:t>
+              <a:t>9/28/2021</a:t>
             </a:fld>
             <a:endParaRPr lang="en-US" dirty="0"/>
           </a:p>
@@ -820,7 +822,7 @@
           <a:p>
             <a:fld id="{6587DA83-5663-4C9C-B9AA-0B40A3DAFF81}" type="datetime1">
               <a:rPr lang="en-US" smtClean="0"/>
-              <a:t>9/27/2021</a:t>
+              <a:t>9/28/2021</a:t>
             </a:fld>
             <a:endParaRPr lang="en-US" dirty="0"/>
           </a:p>
@@ -1008,7 +1010,7 @@
           <a:p>
             <a:fld id="{4BE1D723-8F53-4F53-90B0-1982A396982E}" type="datetime1">
               <a:rPr lang="en-US" smtClean="0"/>
-              <a:t>9/27/2021</a:t>
+              <a:t>9/28/2021</a:t>
             </a:fld>
             <a:endParaRPr lang="en-US" dirty="0"/>
           </a:p>
@@ -1381,7 +1383,7 @@
           <a:p>
             <a:fld id="{97669AF7-7BEB-44E4-9852-375E34362B5B}" type="datetime1">
               <a:rPr lang="en-US" smtClean="0"/>
-              <a:t>9/27/2021</a:t>
+              <a:t>9/28/2021</a:t>
             </a:fld>
             <a:endParaRPr lang="en-US" dirty="0"/>
           </a:p>
@@ -1636,7 +1638,7 @@
           <a:p>
             <a:fld id="{BAAAC38D-0552-4C82-B593-E6124DFADBE2}" type="datetime1">
               <a:rPr lang="en-US" smtClean="0"/>
-              <a:t>9/27/2021</a:t>
+              <a:t>9/28/2021</a:t>
             </a:fld>
             <a:endParaRPr lang="en-US" dirty="0"/>
           </a:p>
@@ -2033,7 +2035,7 @@
           <a:p>
             <a:fld id="{D9DF0F1C-5577-4ACB-BB62-DF8F3C494C7E}" type="datetime1">
               <a:rPr lang="en-US" smtClean="0"/>
-              <a:t>9/27/2021</a:t>
+              <a:t>9/28/2021</a:t>
             </a:fld>
             <a:endParaRPr lang="en-US" dirty="0"/>
           </a:p>
@@ -2169,7 +2171,7 @@
           <a:p>
             <a:fld id="{1775B394-D9F9-4F0C-B15D-605F45CB9E9F}" type="datetime1">
               <a:rPr lang="en-US" smtClean="0"/>
-              <a:t>9/27/2021</a:t>
+              <a:t>9/28/2021</a:t>
             </a:fld>
             <a:endParaRPr lang="en-US" dirty="0"/>
           </a:p>
@@ -2326,7 +2328,7 @@
           <a:p>
             <a:fld id="{39667345-2558-425A-8533-9BFDBCE15005}" type="datetime1">
               <a:rPr lang="en-US" smtClean="0"/>
-              <a:t>9/27/2021</a:t>
+              <a:t>9/28/2021</a:t>
             </a:fld>
             <a:endParaRPr lang="en-US" dirty="0"/>
           </a:p>
@@ -2655,7 +2657,7 @@
           <a:p>
             <a:fld id="{92BEA474-078D-4E9B-9B14-09A87B19DC46}" type="datetime1">
               <a:rPr lang="en-US" smtClean="0"/>
-              <a:t>9/27/2021</a:t>
+              <a:t>9/28/2021</a:t>
             </a:fld>
             <a:endParaRPr lang="en-US" dirty="0"/>
           </a:p>
@@ -3005,7 +3007,7 @@
           <a:p>
             <a:fld id="{4907D986-8816-4272-A432-0437A28A9828}" type="datetime1">
               <a:rPr lang="en-US" smtClean="0"/>
-              <a:t>9/27/2021</a:t>
+              <a:t>9/28/2021</a:t>
             </a:fld>
             <a:endParaRPr lang="en-US" dirty="0"/>
           </a:p>
@@ -3266,7 +3268,7 @@
           <a:p>
             <a:fld id="{62D6E202-B606-4609-B914-27C9371A1F6D}" type="datetime1">
               <a:rPr lang="en-US" smtClean="0"/>
-              <a:t>9/27/2021</a:t>
+              <a:t>9/28/2021</a:t>
             </a:fld>
             <a:endParaRPr lang="en-US" dirty="0"/>
           </a:p>
@@ -3995,6 +3997,2403 @@
 </p:sld>
 </file>
 
+<file path=ppt/slides/slide10.xml><?xml version="1.0" encoding="utf-8"?>
+<p:sld xmlns:a="http://schemas.openxmlformats.org/drawingml/2006/main" xmlns:r="http://schemas.openxmlformats.org/officeDocument/2006/relationships" xmlns:p="http://schemas.openxmlformats.org/presentationml/2006/main">
+  <p:cSld>
+    <p:spTree>
+      <p:nvGrpSpPr>
+        <p:cNvPr id="1" name=""/>
+        <p:cNvGrpSpPr/>
+        <p:nvPr/>
+      </p:nvGrpSpPr>
+      <p:grpSpPr>
+        <a:xfrm>
+          <a:off x="0" y="0"/>
+          <a:ext cx="0" cy="0"/>
+          <a:chOff x="0" y="0"/>
+          <a:chExt cx="0" cy="0"/>
+        </a:xfrm>
+      </p:grpSpPr>
+      <p:sp>
+        <p:nvSpPr>
+          <p:cNvPr id="5" name="Title 4">
+            <a:extLst>
+              <a:ext uri="{FF2B5EF4-FFF2-40B4-BE49-F238E27FC236}">
+                <a16:creationId xmlns:a16="http://schemas.microsoft.com/office/drawing/2014/main" id="{A483FC8D-5CFD-4C15-BD75-3A279BB415D1}"/>
+              </a:ext>
+            </a:extLst>
+          </p:cNvPr>
+          <p:cNvSpPr>
+            <a:spLocks noGrp="1"/>
+          </p:cNvSpPr>
+          <p:nvPr>
+            <p:ph type="ctrTitle"/>
+          </p:nvPr>
+        </p:nvSpPr>
+        <p:spPr/>
+        <p:txBody>
+          <a:bodyPr/>
+          <a:lstStyle/>
+          <a:p>
+            <a:endParaRPr lang="en-IN"/>
+          </a:p>
+        </p:txBody>
+      </p:sp>
+      <p:sp>
+        <p:nvSpPr>
+          <p:cNvPr id="8" name="Rectangle 7">
+            <a:extLst>
+              <a:ext uri="{FF2B5EF4-FFF2-40B4-BE49-F238E27FC236}">
+                <a16:creationId xmlns:a16="http://schemas.microsoft.com/office/drawing/2014/main" id="{F6828A24-A604-4414-A7C8-2C2C21EC3AB8}"/>
+              </a:ext>
+            </a:extLst>
+          </p:cNvPr>
+          <p:cNvSpPr/>
+          <p:nvPr/>
+        </p:nvSpPr>
+        <p:spPr>
+          <a:xfrm>
+            <a:off x="0" y="0"/>
+            <a:ext cx="12192000" cy="6679096"/>
+          </a:xfrm>
+          <a:prstGeom prst="rect">
+            <a:avLst/>
+          </a:prstGeom>
+          <a:solidFill>
+            <a:schemeClr val="tx2">
+              <a:lumMod val="20000"/>
+              <a:lumOff val="80000"/>
+            </a:schemeClr>
+          </a:solidFill>
+          <a:ln>
+            <a:noFill/>
+          </a:ln>
+        </p:spPr>
+        <p:style>
+          <a:lnRef idx="2">
+            <a:schemeClr val="accent6"/>
+          </a:lnRef>
+          <a:fillRef idx="1">
+            <a:schemeClr val="lt1"/>
+          </a:fillRef>
+          <a:effectRef idx="0">
+            <a:schemeClr val="accent6"/>
+          </a:effectRef>
+          <a:fontRef idx="minor">
+            <a:schemeClr val="dk1"/>
+          </a:fontRef>
+        </p:style>
+        <p:txBody>
+          <a:bodyPr rtlCol="0" anchor="ctr"/>
+          <a:lstStyle/>
+          <a:p>
+            <a:pPr algn="ctr"/>
+            <a:endParaRPr lang="en-IN"/>
+          </a:p>
+        </p:txBody>
+      </p:sp>
+      <p:sp>
+        <p:nvSpPr>
+          <p:cNvPr id="9" name="TextBox 8">
+            <a:extLst>
+              <a:ext uri="{FF2B5EF4-FFF2-40B4-BE49-F238E27FC236}">
+                <a16:creationId xmlns:a16="http://schemas.microsoft.com/office/drawing/2014/main" id="{3B153EE9-33A6-41D0-AF92-E7242DD2143E}"/>
+              </a:ext>
+            </a:extLst>
+          </p:cNvPr>
+          <p:cNvSpPr txBox="1"/>
+          <p:nvPr/>
+        </p:nvSpPr>
+        <p:spPr>
+          <a:xfrm>
+            <a:off x="168812" y="296205"/>
+            <a:ext cx="10058400" cy="523220"/>
+          </a:xfrm>
+          <a:prstGeom prst="rect">
+            <a:avLst/>
+          </a:prstGeom>
+          <a:noFill/>
+        </p:spPr>
+        <p:txBody>
+          <a:bodyPr wrap="square" rtlCol="0">
+            <a:spAutoFit/>
+          </a:bodyPr>
+          <a:lstStyle/>
+          <a:p>
+            <a:pPr algn="l" fontAlgn="base"/>
+            <a:r>
+              <a:rPr lang="en-IN" sz="2800" b="1" i="0" dirty="0" err="1">
+                <a:solidFill>
+                  <a:srgbClr val="0A0A23"/>
+                </a:solidFill>
+                <a:effectLst/>
+                <a:latin typeface="Verdana" panose="020B0604030504040204" pitchFamily="34" charset="0"/>
+                <a:ea typeface="Verdana" panose="020B0604030504040204" pitchFamily="34" charset="0"/>
+              </a:rPr>
+              <a:t>Redex</a:t>
+            </a:r>
+            <a:r>
+              <a:rPr lang="en-IN" sz="2800" b="1" i="0" dirty="0">
+                <a:solidFill>
+                  <a:srgbClr val="0A0A23"/>
+                </a:solidFill>
+                <a:effectLst/>
+                <a:latin typeface="Verdana" panose="020B0604030504040204" pitchFamily="34" charset="0"/>
+                <a:ea typeface="Verdana" panose="020B0604030504040204" pitchFamily="34" charset="0"/>
+              </a:rPr>
+              <a:t> - Async</a:t>
+            </a:r>
+          </a:p>
+        </p:txBody>
+      </p:sp>
+      <p:sp>
+        <p:nvSpPr>
+          <p:cNvPr id="10" name="TextBox 9">
+            <a:extLst>
+              <a:ext uri="{FF2B5EF4-FFF2-40B4-BE49-F238E27FC236}">
+                <a16:creationId xmlns:a16="http://schemas.microsoft.com/office/drawing/2014/main" id="{0464230E-1DD5-4FCE-BBDA-ACE54AD381FE}"/>
+              </a:ext>
+            </a:extLst>
+          </p:cNvPr>
+          <p:cNvSpPr txBox="1"/>
+          <p:nvPr/>
+        </p:nvSpPr>
+        <p:spPr>
+          <a:xfrm>
+            <a:off x="208670" y="956041"/>
+            <a:ext cx="7437834" cy="461665"/>
+          </a:xfrm>
+          <a:prstGeom prst="rect">
+            <a:avLst/>
+          </a:prstGeom>
+          <a:noFill/>
+        </p:spPr>
+        <p:txBody>
+          <a:bodyPr wrap="square" rtlCol="0">
+            <a:spAutoFit/>
+          </a:bodyPr>
+          <a:lstStyle/>
+          <a:p>
+            <a:br>
+              <a:rPr lang="en-IN" sz="1200" b="0" dirty="0">
+                <a:solidFill>
+                  <a:srgbClr val="000000"/>
+                </a:solidFill>
+                <a:effectLst/>
+                <a:latin typeface="Consolas" panose="020B0609020204030204" pitchFamily="49" charset="0"/>
+              </a:rPr>
+            </a:br>
+            <a:r>
+              <a:rPr lang="en-IN" sz="1200" b="0" dirty="0">
+                <a:solidFill>
+                  <a:srgbClr val="000000"/>
+                </a:solidFill>
+                <a:effectLst/>
+                <a:latin typeface="Consolas" panose="020B0609020204030204" pitchFamily="49" charset="0"/>
+              </a:rPr>
+              <a:t> </a:t>
+            </a:r>
+            <a:endParaRPr lang="en-IN" sz="1200" dirty="0">
+              <a:latin typeface="Verdana" panose="020B0604030504040204" pitchFamily="34" charset="0"/>
+              <a:ea typeface="Verdana" panose="020B0604030504040204" pitchFamily="34" charset="0"/>
+            </a:endParaRPr>
+          </a:p>
+        </p:txBody>
+      </p:sp>
+      <p:sp>
+        <p:nvSpPr>
+          <p:cNvPr id="11" name="TextBox 10">
+            <a:extLst>
+              <a:ext uri="{FF2B5EF4-FFF2-40B4-BE49-F238E27FC236}">
+                <a16:creationId xmlns:a16="http://schemas.microsoft.com/office/drawing/2014/main" id="{A1E419C4-3330-42BC-B0B1-D9117D21AF01}"/>
+              </a:ext>
+            </a:extLst>
+          </p:cNvPr>
+          <p:cNvSpPr txBox="1"/>
+          <p:nvPr/>
+        </p:nvSpPr>
+        <p:spPr>
+          <a:xfrm>
+            <a:off x="6092638" y="928272"/>
+            <a:ext cx="5701800" cy="646331"/>
+          </a:xfrm>
+          <a:prstGeom prst="rect">
+            <a:avLst/>
+          </a:prstGeom>
+          <a:noFill/>
+        </p:spPr>
+        <p:txBody>
+          <a:bodyPr wrap="square" rtlCol="0">
+            <a:spAutoFit/>
+          </a:bodyPr>
+          <a:lstStyle/>
+          <a:p>
+            <a:endParaRPr lang="en-IN" sz="1200" b="0" dirty="0">
+              <a:solidFill>
+                <a:srgbClr val="000000"/>
+              </a:solidFill>
+              <a:effectLst/>
+              <a:latin typeface="Consolas" panose="020B0609020204030204" pitchFamily="49" charset="0"/>
+            </a:endParaRPr>
+          </a:p>
+          <a:p>
+            <a:pPr indent="-285750">
+              <a:buFontTx/>
+              <a:buChar char="-"/>
+            </a:pPr>
+            <a:endParaRPr lang="en-US" sz="1200" dirty="0">
+              <a:latin typeface="Verdana" panose="020B0604030504040204" pitchFamily="34" charset="0"/>
+              <a:ea typeface="Verdana" panose="020B0604030504040204" pitchFamily="34" charset="0"/>
+            </a:endParaRPr>
+          </a:p>
+          <a:p>
+            <a:pPr indent="-285750">
+              <a:buFontTx/>
+              <a:buChar char="-"/>
+            </a:pPr>
+            <a:endParaRPr lang="en-IN" sz="1200" dirty="0">
+              <a:latin typeface="Verdana" panose="020B0604030504040204" pitchFamily="34" charset="0"/>
+              <a:ea typeface="Verdana" panose="020B0604030504040204" pitchFamily="34" charset="0"/>
+            </a:endParaRPr>
+          </a:p>
+        </p:txBody>
+      </p:sp>
+      <p:sp>
+        <p:nvSpPr>
+          <p:cNvPr id="7" name="TextBox 6">
+            <a:extLst>
+              <a:ext uri="{FF2B5EF4-FFF2-40B4-BE49-F238E27FC236}">
+                <a16:creationId xmlns:a16="http://schemas.microsoft.com/office/drawing/2014/main" id="{EDAAC2C8-A1BE-4CFF-A201-87880B5E5B42}"/>
+              </a:ext>
+            </a:extLst>
+          </p:cNvPr>
+          <p:cNvSpPr txBox="1"/>
+          <p:nvPr/>
+        </p:nvSpPr>
+        <p:spPr>
+          <a:xfrm>
+            <a:off x="397562" y="928272"/>
+            <a:ext cx="11396876" cy="2862322"/>
+          </a:xfrm>
+          <a:prstGeom prst="rect">
+            <a:avLst/>
+          </a:prstGeom>
+          <a:noFill/>
+        </p:spPr>
+        <p:txBody>
+          <a:bodyPr wrap="square" rtlCol="0">
+            <a:spAutoFit/>
+          </a:bodyPr>
+          <a:lstStyle/>
+          <a:p>
+            <a:r>
+              <a:rPr lang="en-US" b="0" dirty="0" err="1">
+                <a:effectLst/>
+                <a:latin typeface="Verdana" panose="020B0604030504040204" pitchFamily="34" charset="0"/>
+                <a:ea typeface="Verdana" panose="020B0604030504040204" pitchFamily="34" charset="0"/>
+              </a:rPr>
+              <a:t>Redex</a:t>
+            </a:r>
+            <a:r>
+              <a:rPr lang="en-US" b="0" dirty="0">
+                <a:effectLst/>
+                <a:latin typeface="Verdana" panose="020B0604030504040204" pitchFamily="34" charset="0"/>
+                <a:ea typeface="Verdana" panose="020B0604030504040204" pitchFamily="34" charset="0"/>
+              </a:rPr>
+              <a:t> - Async</a:t>
+            </a:r>
+          </a:p>
+          <a:p>
+            <a:r>
+              <a:rPr lang="en-US" b="0" dirty="0">
+                <a:effectLst/>
+                <a:latin typeface="Verdana" panose="020B0604030504040204" pitchFamily="34" charset="0"/>
+                <a:ea typeface="Verdana" panose="020B0604030504040204" pitchFamily="34" charset="0"/>
+              </a:rPr>
+              <a:t>  </a:t>
+            </a:r>
+          </a:p>
+          <a:p>
+            <a:r>
+              <a:rPr lang="en-US" b="0" dirty="0">
+                <a:effectLst/>
+                <a:latin typeface="Verdana" panose="020B0604030504040204" pitchFamily="34" charset="0"/>
+                <a:ea typeface="Verdana" panose="020B0604030504040204" pitchFamily="34" charset="0"/>
+              </a:rPr>
+              <a:t>    - How the Redux data flow works with async data</a:t>
+            </a:r>
+          </a:p>
+          <a:p>
+            <a:r>
+              <a:rPr lang="en-US" b="0" dirty="0">
+                <a:effectLst/>
+                <a:latin typeface="Verdana" panose="020B0604030504040204" pitchFamily="34" charset="0"/>
+                <a:ea typeface="Verdana" panose="020B0604030504040204" pitchFamily="34" charset="0"/>
+              </a:rPr>
+              <a:t>    - How to use Redux middleware for async logic</a:t>
+            </a:r>
+          </a:p>
+          <a:p>
+            <a:r>
+              <a:rPr lang="en-US" b="0" dirty="0">
+                <a:effectLst/>
+                <a:latin typeface="Verdana" panose="020B0604030504040204" pitchFamily="34" charset="0"/>
+                <a:ea typeface="Verdana" panose="020B0604030504040204" pitchFamily="34" charset="0"/>
+              </a:rPr>
+              <a:t>    - Patterns for handling async request state</a:t>
+            </a:r>
+          </a:p>
+          <a:p>
+            <a:endParaRPr lang="en-US" b="0" dirty="0">
+              <a:effectLst/>
+              <a:latin typeface="Verdana" panose="020B0604030504040204" pitchFamily="34" charset="0"/>
+              <a:ea typeface="Verdana" panose="020B0604030504040204" pitchFamily="34" charset="0"/>
+            </a:endParaRPr>
+          </a:p>
+          <a:p>
+            <a:r>
+              <a:rPr lang="en-US" b="0" dirty="0" err="1">
+                <a:effectLst/>
+                <a:latin typeface="Verdana" panose="020B0604030504040204" pitchFamily="34" charset="0"/>
+                <a:ea typeface="Verdana" panose="020B0604030504040204" pitchFamily="34" charset="0"/>
+              </a:rPr>
+              <a:t>Thunk</a:t>
+            </a:r>
+            <a:endParaRPr lang="en-US" b="0" dirty="0">
+              <a:effectLst/>
+              <a:latin typeface="Verdana" panose="020B0604030504040204" pitchFamily="34" charset="0"/>
+              <a:ea typeface="Verdana" panose="020B0604030504040204" pitchFamily="34" charset="0"/>
+            </a:endParaRPr>
+          </a:p>
+          <a:p>
+            <a:r>
+              <a:rPr lang="en-US" b="0" dirty="0">
+                <a:effectLst/>
+                <a:latin typeface="Verdana" panose="020B0604030504040204" pitchFamily="34" charset="0"/>
+                <a:ea typeface="Verdana" panose="020B0604030504040204" pitchFamily="34" charset="0"/>
+              </a:rPr>
+              <a:t>    - this package is mainly used for communicate between </a:t>
+            </a:r>
+          </a:p>
+          <a:p>
+            <a:r>
+              <a:rPr lang="en-US" b="0" dirty="0">
+                <a:effectLst/>
+                <a:latin typeface="Verdana" panose="020B0604030504040204" pitchFamily="34" charset="0"/>
+                <a:ea typeface="Verdana" panose="020B0604030504040204" pitchFamily="34" charset="0"/>
+              </a:rPr>
+              <a:t>	  action and reducer</a:t>
+            </a:r>
+          </a:p>
+          <a:p>
+            <a:endParaRPr lang="en-IN" dirty="0">
+              <a:latin typeface="Verdana" panose="020B0604030504040204" pitchFamily="34" charset="0"/>
+              <a:ea typeface="Verdana" panose="020B0604030504040204" pitchFamily="34" charset="0"/>
+            </a:endParaRPr>
+          </a:p>
+        </p:txBody>
+      </p:sp>
+    </p:spTree>
+    <p:extLst>
+      <p:ext uri="{BB962C8B-B14F-4D97-AF65-F5344CB8AC3E}">
+        <p14:creationId xmlns:p14="http://schemas.microsoft.com/office/powerpoint/2010/main" val="150326628"/>
+      </p:ext>
+    </p:extLst>
+  </p:cSld>
+  <p:clrMapOvr>
+    <a:masterClrMapping/>
+  </p:clrMapOvr>
+</p:sld>
+</file>
+
+<file path=ppt/slides/slide11.xml><?xml version="1.0" encoding="utf-8"?>
+<p:sld xmlns:a="http://schemas.openxmlformats.org/drawingml/2006/main" xmlns:r="http://schemas.openxmlformats.org/officeDocument/2006/relationships" xmlns:p="http://schemas.openxmlformats.org/presentationml/2006/main">
+  <p:cSld>
+    <p:spTree>
+      <p:nvGrpSpPr>
+        <p:cNvPr id="1" name=""/>
+        <p:cNvGrpSpPr/>
+        <p:nvPr/>
+      </p:nvGrpSpPr>
+      <p:grpSpPr>
+        <a:xfrm>
+          <a:off x="0" y="0"/>
+          <a:ext cx="0" cy="0"/>
+          <a:chOff x="0" y="0"/>
+          <a:chExt cx="0" cy="0"/>
+        </a:xfrm>
+      </p:grpSpPr>
+      <p:sp>
+        <p:nvSpPr>
+          <p:cNvPr id="5" name="Title 4">
+            <a:extLst>
+              <a:ext uri="{FF2B5EF4-FFF2-40B4-BE49-F238E27FC236}">
+                <a16:creationId xmlns:a16="http://schemas.microsoft.com/office/drawing/2014/main" id="{A483FC8D-5CFD-4C15-BD75-3A279BB415D1}"/>
+              </a:ext>
+            </a:extLst>
+          </p:cNvPr>
+          <p:cNvSpPr>
+            <a:spLocks noGrp="1"/>
+          </p:cNvSpPr>
+          <p:nvPr>
+            <p:ph type="ctrTitle"/>
+          </p:nvPr>
+        </p:nvSpPr>
+        <p:spPr/>
+        <p:txBody>
+          <a:bodyPr/>
+          <a:lstStyle/>
+          <a:p>
+            <a:endParaRPr lang="en-IN"/>
+          </a:p>
+        </p:txBody>
+      </p:sp>
+      <p:sp>
+        <p:nvSpPr>
+          <p:cNvPr id="8" name="Rectangle 7">
+            <a:extLst>
+              <a:ext uri="{FF2B5EF4-FFF2-40B4-BE49-F238E27FC236}">
+                <a16:creationId xmlns:a16="http://schemas.microsoft.com/office/drawing/2014/main" id="{F6828A24-A604-4414-A7C8-2C2C21EC3AB8}"/>
+              </a:ext>
+            </a:extLst>
+          </p:cNvPr>
+          <p:cNvSpPr/>
+          <p:nvPr/>
+        </p:nvSpPr>
+        <p:spPr>
+          <a:xfrm>
+            <a:off x="0" y="0"/>
+            <a:ext cx="12192000" cy="6679096"/>
+          </a:xfrm>
+          <a:prstGeom prst="rect">
+            <a:avLst/>
+          </a:prstGeom>
+          <a:solidFill>
+            <a:schemeClr val="tx2">
+              <a:lumMod val="20000"/>
+              <a:lumOff val="80000"/>
+            </a:schemeClr>
+          </a:solidFill>
+          <a:ln>
+            <a:noFill/>
+          </a:ln>
+        </p:spPr>
+        <p:style>
+          <a:lnRef idx="2">
+            <a:schemeClr val="accent6"/>
+          </a:lnRef>
+          <a:fillRef idx="1">
+            <a:schemeClr val="lt1"/>
+          </a:fillRef>
+          <a:effectRef idx="0">
+            <a:schemeClr val="accent6"/>
+          </a:effectRef>
+          <a:fontRef idx="minor">
+            <a:schemeClr val="dk1"/>
+          </a:fontRef>
+        </p:style>
+        <p:txBody>
+          <a:bodyPr rtlCol="0" anchor="ctr"/>
+          <a:lstStyle/>
+          <a:p>
+            <a:pPr algn="ctr"/>
+            <a:endParaRPr lang="en-IN"/>
+          </a:p>
+        </p:txBody>
+      </p:sp>
+      <p:sp>
+        <p:nvSpPr>
+          <p:cNvPr id="9" name="TextBox 8">
+            <a:extLst>
+              <a:ext uri="{FF2B5EF4-FFF2-40B4-BE49-F238E27FC236}">
+                <a16:creationId xmlns:a16="http://schemas.microsoft.com/office/drawing/2014/main" id="{3B153EE9-33A6-41D0-AF92-E7242DD2143E}"/>
+              </a:ext>
+            </a:extLst>
+          </p:cNvPr>
+          <p:cNvSpPr txBox="1"/>
+          <p:nvPr/>
+        </p:nvSpPr>
+        <p:spPr>
+          <a:xfrm>
+            <a:off x="168812" y="296205"/>
+            <a:ext cx="10058400" cy="523220"/>
+          </a:xfrm>
+          <a:prstGeom prst="rect">
+            <a:avLst/>
+          </a:prstGeom>
+          <a:noFill/>
+        </p:spPr>
+        <p:txBody>
+          <a:bodyPr wrap="square" rtlCol="0">
+            <a:spAutoFit/>
+          </a:bodyPr>
+          <a:lstStyle/>
+          <a:p>
+            <a:pPr algn="l" fontAlgn="base"/>
+            <a:r>
+              <a:rPr lang="en-IN" sz="2800" b="1" i="0" dirty="0">
+                <a:solidFill>
+                  <a:srgbClr val="0A0A23"/>
+                </a:solidFill>
+                <a:effectLst/>
+                <a:latin typeface="Verdana" panose="020B0604030504040204" pitchFamily="34" charset="0"/>
+                <a:ea typeface="Verdana" panose="020B0604030504040204" pitchFamily="34" charset="0"/>
+              </a:rPr>
+              <a:t>Redux in ReactJS – subscribe</a:t>
+            </a:r>
+          </a:p>
+        </p:txBody>
+      </p:sp>
+      <p:sp>
+        <p:nvSpPr>
+          <p:cNvPr id="10" name="TextBox 9">
+            <a:extLst>
+              <a:ext uri="{FF2B5EF4-FFF2-40B4-BE49-F238E27FC236}">
+                <a16:creationId xmlns:a16="http://schemas.microsoft.com/office/drawing/2014/main" id="{0464230E-1DD5-4FCE-BBDA-ACE54AD381FE}"/>
+              </a:ext>
+            </a:extLst>
+          </p:cNvPr>
+          <p:cNvSpPr txBox="1"/>
+          <p:nvPr/>
+        </p:nvSpPr>
+        <p:spPr>
+          <a:xfrm>
+            <a:off x="208670" y="956041"/>
+            <a:ext cx="7437834" cy="461665"/>
+          </a:xfrm>
+          <a:prstGeom prst="rect">
+            <a:avLst/>
+          </a:prstGeom>
+          <a:noFill/>
+        </p:spPr>
+        <p:txBody>
+          <a:bodyPr wrap="square" rtlCol="0">
+            <a:spAutoFit/>
+          </a:bodyPr>
+          <a:lstStyle/>
+          <a:p>
+            <a:br>
+              <a:rPr lang="en-IN" sz="1200" b="0" dirty="0">
+                <a:solidFill>
+                  <a:srgbClr val="000000"/>
+                </a:solidFill>
+                <a:effectLst/>
+                <a:latin typeface="Consolas" panose="020B0609020204030204" pitchFamily="49" charset="0"/>
+              </a:rPr>
+            </a:br>
+            <a:r>
+              <a:rPr lang="en-IN" sz="1200" b="0" dirty="0">
+                <a:solidFill>
+                  <a:srgbClr val="000000"/>
+                </a:solidFill>
+                <a:effectLst/>
+                <a:latin typeface="Consolas" panose="020B0609020204030204" pitchFamily="49" charset="0"/>
+              </a:rPr>
+              <a:t> </a:t>
+            </a:r>
+            <a:endParaRPr lang="en-IN" sz="1200" dirty="0">
+              <a:latin typeface="Verdana" panose="020B0604030504040204" pitchFamily="34" charset="0"/>
+              <a:ea typeface="Verdana" panose="020B0604030504040204" pitchFamily="34" charset="0"/>
+            </a:endParaRPr>
+          </a:p>
+        </p:txBody>
+      </p:sp>
+      <p:sp>
+        <p:nvSpPr>
+          <p:cNvPr id="11" name="TextBox 10">
+            <a:extLst>
+              <a:ext uri="{FF2B5EF4-FFF2-40B4-BE49-F238E27FC236}">
+                <a16:creationId xmlns:a16="http://schemas.microsoft.com/office/drawing/2014/main" id="{A1E419C4-3330-42BC-B0B1-D9117D21AF01}"/>
+              </a:ext>
+            </a:extLst>
+          </p:cNvPr>
+          <p:cNvSpPr txBox="1"/>
+          <p:nvPr/>
+        </p:nvSpPr>
+        <p:spPr>
+          <a:xfrm>
+            <a:off x="6092638" y="928272"/>
+            <a:ext cx="5701800" cy="646331"/>
+          </a:xfrm>
+          <a:prstGeom prst="rect">
+            <a:avLst/>
+          </a:prstGeom>
+          <a:noFill/>
+        </p:spPr>
+        <p:txBody>
+          <a:bodyPr wrap="square" rtlCol="0">
+            <a:spAutoFit/>
+          </a:bodyPr>
+          <a:lstStyle/>
+          <a:p>
+            <a:endParaRPr lang="en-IN" sz="1200" b="0" dirty="0">
+              <a:solidFill>
+                <a:srgbClr val="000000"/>
+              </a:solidFill>
+              <a:effectLst/>
+              <a:latin typeface="Consolas" panose="020B0609020204030204" pitchFamily="49" charset="0"/>
+            </a:endParaRPr>
+          </a:p>
+          <a:p>
+            <a:pPr indent="-285750">
+              <a:buFontTx/>
+              <a:buChar char="-"/>
+            </a:pPr>
+            <a:endParaRPr lang="en-US" sz="1200" dirty="0">
+              <a:latin typeface="Verdana" panose="020B0604030504040204" pitchFamily="34" charset="0"/>
+              <a:ea typeface="Verdana" panose="020B0604030504040204" pitchFamily="34" charset="0"/>
+            </a:endParaRPr>
+          </a:p>
+          <a:p>
+            <a:pPr indent="-285750">
+              <a:buFontTx/>
+              <a:buChar char="-"/>
+            </a:pPr>
+            <a:endParaRPr lang="en-IN" sz="1200" dirty="0">
+              <a:latin typeface="Verdana" panose="020B0604030504040204" pitchFamily="34" charset="0"/>
+              <a:ea typeface="Verdana" panose="020B0604030504040204" pitchFamily="34" charset="0"/>
+            </a:endParaRPr>
+          </a:p>
+        </p:txBody>
+      </p:sp>
+      <p:sp>
+        <p:nvSpPr>
+          <p:cNvPr id="7" name="TextBox 6">
+            <a:extLst>
+              <a:ext uri="{FF2B5EF4-FFF2-40B4-BE49-F238E27FC236}">
+                <a16:creationId xmlns:a16="http://schemas.microsoft.com/office/drawing/2014/main" id="{EDAAC2C8-A1BE-4CFF-A201-87880B5E5B42}"/>
+              </a:ext>
+            </a:extLst>
+          </p:cNvPr>
+          <p:cNvSpPr txBox="1"/>
+          <p:nvPr/>
+        </p:nvSpPr>
+        <p:spPr>
+          <a:xfrm>
+            <a:off x="397562" y="928272"/>
+            <a:ext cx="11396876" cy="3785652"/>
+          </a:xfrm>
+          <a:prstGeom prst="rect">
+            <a:avLst/>
+          </a:prstGeom>
+          <a:noFill/>
+        </p:spPr>
+        <p:txBody>
+          <a:bodyPr wrap="square" rtlCol="0">
+            <a:spAutoFit/>
+          </a:bodyPr>
+          <a:lstStyle/>
+          <a:p>
+            <a:r>
+              <a:rPr lang="en-IN" sz="1200" b="0" dirty="0">
+                <a:solidFill>
+                  <a:srgbClr val="0000FF"/>
+                </a:solidFill>
+                <a:effectLst/>
+                <a:latin typeface="Consolas" panose="020B0609020204030204" pitchFamily="49" charset="0"/>
+              </a:rPr>
+              <a:t>import</a:t>
+            </a:r>
+            <a:r>
+              <a:rPr lang="en-IN" sz="1200" b="0" dirty="0">
+                <a:solidFill>
+                  <a:srgbClr val="000000"/>
+                </a:solidFill>
+                <a:effectLst/>
+                <a:latin typeface="Consolas" panose="020B0609020204030204" pitchFamily="49" charset="0"/>
+              </a:rPr>
+              <a:t> React </a:t>
+            </a:r>
+            <a:r>
+              <a:rPr lang="en-IN" sz="1200" b="0" dirty="0">
+                <a:solidFill>
+                  <a:srgbClr val="0000FF"/>
+                </a:solidFill>
+                <a:effectLst/>
+                <a:latin typeface="Consolas" panose="020B0609020204030204" pitchFamily="49" charset="0"/>
+              </a:rPr>
+              <a:t>from</a:t>
+            </a:r>
+            <a:r>
+              <a:rPr lang="en-IN" sz="1200" b="0" dirty="0">
+                <a:solidFill>
+                  <a:srgbClr val="000000"/>
+                </a:solidFill>
+                <a:effectLst/>
+                <a:latin typeface="Consolas" panose="020B0609020204030204" pitchFamily="49" charset="0"/>
+              </a:rPr>
+              <a:t> </a:t>
+            </a:r>
+            <a:r>
+              <a:rPr lang="en-IN" sz="1200" b="0" dirty="0">
+                <a:solidFill>
+                  <a:srgbClr val="A31515"/>
+                </a:solidFill>
+                <a:effectLst/>
+                <a:latin typeface="Consolas" panose="020B0609020204030204" pitchFamily="49" charset="0"/>
+              </a:rPr>
+              <a:t>'react'</a:t>
+            </a:r>
+            <a:r>
+              <a:rPr lang="en-IN" sz="1200" b="0" dirty="0">
+                <a:solidFill>
+                  <a:srgbClr val="000000"/>
+                </a:solidFill>
+                <a:effectLst/>
+                <a:latin typeface="Consolas" panose="020B0609020204030204" pitchFamily="49" charset="0"/>
+              </a:rPr>
+              <a:t>;</a:t>
+            </a:r>
+          </a:p>
+          <a:p>
+            <a:r>
+              <a:rPr lang="en-IN" sz="1200" b="0" dirty="0">
+                <a:solidFill>
+                  <a:srgbClr val="0000FF"/>
+                </a:solidFill>
+                <a:effectLst/>
+                <a:latin typeface="Consolas" panose="020B0609020204030204" pitchFamily="49" charset="0"/>
+              </a:rPr>
+              <a:t>import</a:t>
+            </a:r>
+            <a:r>
+              <a:rPr lang="en-IN" sz="1200" b="0" dirty="0">
+                <a:solidFill>
+                  <a:srgbClr val="000000"/>
+                </a:solidFill>
+                <a:effectLst/>
+                <a:latin typeface="Consolas" panose="020B0609020204030204" pitchFamily="49" charset="0"/>
+              </a:rPr>
+              <a:t> </a:t>
+            </a:r>
+            <a:r>
+              <a:rPr lang="en-IN" sz="1200" b="0" dirty="0" err="1">
+                <a:solidFill>
+                  <a:srgbClr val="000000"/>
+                </a:solidFill>
+                <a:effectLst/>
+                <a:latin typeface="Consolas" panose="020B0609020204030204" pitchFamily="49" charset="0"/>
+              </a:rPr>
+              <a:t>ReactDOM</a:t>
+            </a:r>
+            <a:r>
+              <a:rPr lang="en-IN" sz="1200" b="0" dirty="0">
+                <a:solidFill>
+                  <a:srgbClr val="000000"/>
+                </a:solidFill>
+                <a:effectLst/>
+                <a:latin typeface="Consolas" panose="020B0609020204030204" pitchFamily="49" charset="0"/>
+              </a:rPr>
+              <a:t> </a:t>
+            </a:r>
+            <a:r>
+              <a:rPr lang="en-IN" sz="1200" b="0" dirty="0">
+                <a:solidFill>
+                  <a:srgbClr val="0000FF"/>
+                </a:solidFill>
+                <a:effectLst/>
+                <a:latin typeface="Consolas" panose="020B0609020204030204" pitchFamily="49" charset="0"/>
+              </a:rPr>
+              <a:t>from</a:t>
+            </a:r>
+            <a:r>
+              <a:rPr lang="en-IN" sz="1200" b="0" dirty="0">
+                <a:solidFill>
+                  <a:srgbClr val="000000"/>
+                </a:solidFill>
+                <a:effectLst/>
+                <a:latin typeface="Consolas" panose="020B0609020204030204" pitchFamily="49" charset="0"/>
+              </a:rPr>
+              <a:t> </a:t>
+            </a:r>
+            <a:r>
+              <a:rPr lang="en-IN" sz="1200" b="0" dirty="0">
+                <a:solidFill>
+                  <a:srgbClr val="A31515"/>
+                </a:solidFill>
+                <a:effectLst/>
+                <a:latin typeface="Consolas" panose="020B0609020204030204" pitchFamily="49" charset="0"/>
+              </a:rPr>
+              <a:t>'react-</a:t>
+            </a:r>
+            <a:r>
+              <a:rPr lang="en-IN" sz="1200" b="0" dirty="0" err="1">
+                <a:solidFill>
+                  <a:srgbClr val="A31515"/>
+                </a:solidFill>
+                <a:effectLst/>
+                <a:latin typeface="Consolas" panose="020B0609020204030204" pitchFamily="49" charset="0"/>
+              </a:rPr>
+              <a:t>dom</a:t>
+            </a:r>
+            <a:r>
+              <a:rPr lang="en-IN" sz="1200" b="0" dirty="0">
+                <a:solidFill>
+                  <a:srgbClr val="A31515"/>
+                </a:solidFill>
+                <a:effectLst/>
+                <a:latin typeface="Consolas" panose="020B0609020204030204" pitchFamily="49" charset="0"/>
+              </a:rPr>
+              <a:t>'</a:t>
+            </a:r>
+            <a:r>
+              <a:rPr lang="en-IN" sz="1200" b="0" dirty="0">
+                <a:solidFill>
+                  <a:srgbClr val="000000"/>
+                </a:solidFill>
+                <a:effectLst/>
+                <a:latin typeface="Consolas" panose="020B0609020204030204" pitchFamily="49" charset="0"/>
+              </a:rPr>
+              <a:t>;</a:t>
+            </a:r>
+          </a:p>
+          <a:p>
+            <a:r>
+              <a:rPr lang="en-IN" sz="1200" b="0" dirty="0">
+                <a:solidFill>
+                  <a:srgbClr val="0000FF"/>
+                </a:solidFill>
+                <a:effectLst/>
+                <a:latin typeface="Consolas" panose="020B0609020204030204" pitchFamily="49" charset="0"/>
+              </a:rPr>
+              <a:t>import</a:t>
+            </a:r>
+            <a:r>
+              <a:rPr lang="en-IN" sz="1200" b="0" dirty="0">
+                <a:solidFill>
+                  <a:srgbClr val="000000"/>
+                </a:solidFill>
+                <a:effectLst/>
+                <a:latin typeface="Consolas" panose="020B0609020204030204" pitchFamily="49" charset="0"/>
+              </a:rPr>
+              <a:t> { </a:t>
+            </a:r>
+            <a:r>
+              <a:rPr lang="en-IN" sz="1200" b="0" dirty="0" err="1">
+                <a:solidFill>
+                  <a:srgbClr val="000000"/>
+                </a:solidFill>
+                <a:effectLst/>
+                <a:latin typeface="Consolas" panose="020B0609020204030204" pitchFamily="49" charset="0"/>
+              </a:rPr>
+              <a:t>useSelector</a:t>
+            </a:r>
+            <a:r>
+              <a:rPr lang="en-IN" sz="1200" b="0" dirty="0">
+                <a:solidFill>
+                  <a:srgbClr val="000000"/>
+                </a:solidFill>
+                <a:effectLst/>
+                <a:latin typeface="Consolas" panose="020B0609020204030204" pitchFamily="49" charset="0"/>
+              </a:rPr>
+              <a:t>, </a:t>
+            </a:r>
+            <a:r>
+              <a:rPr lang="en-IN" sz="1200" b="0" dirty="0" err="1">
+                <a:solidFill>
+                  <a:srgbClr val="000000"/>
+                </a:solidFill>
+                <a:effectLst/>
+                <a:latin typeface="Consolas" panose="020B0609020204030204" pitchFamily="49" charset="0"/>
+              </a:rPr>
+              <a:t>useDispatch</a:t>
+            </a:r>
+            <a:r>
+              <a:rPr lang="en-IN" sz="1200" b="0" dirty="0">
+                <a:solidFill>
+                  <a:srgbClr val="000000"/>
+                </a:solidFill>
+                <a:effectLst/>
+                <a:latin typeface="Consolas" panose="020B0609020204030204" pitchFamily="49" charset="0"/>
+              </a:rPr>
+              <a:t> } </a:t>
+            </a:r>
+            <a:r>
+              <a:rPr lang="en-IN" sz="1200" b="0" dirty="0">
+                <a:solidFill>
+                  <a:srgbClr val="0000FF"/>
+                </a:solidFill>
+                <a:effectLst/>
+                <a:latin typeface="Consolas" panose="020B0609020204030204" pitchFamily="49" charset="0"/>
+              </a:rPr>
+              <a:t>from</a:t>
+            </a:r>
+            <a:r>
+              <a:rPr lang="en-IN" sz="1200" b="0" dirty="0">
+                <a:solidFill>
+                  <a:srgbClr val="000000"/>
+                </a:solidFill>
+                <a:effectLst/>
+                <a:latin typeface="Consolas" panose="020B0609020204030204" pitchFamily="49" charset="0"/>
+              </a:rPr>
+              <a:t> </a:t>
+            </a:r>
+            <a:r>
+              <a:rPr lang="en-IN" sz="1200" b="0" dirty="0">
+                <a:solidFill>
+                  <a:srgbClr val="A31515"/>
+                </a:solidFill>
+                <a:effectLst/>
+                <a:latin typeface="Consolas" panose="020B0609020204030204" pitchFamily="49" charset="0"/>
+              </a:rPr>
+              <a:t>'react-redux'</a:t>
+            </a:r>
+            <a:endParaRPr lang="en-IN" sz="1200" b="0" dirty="0">
+              <a:solidFill>
+                <a:srgbClr val="000000"/>
+              </a:solidFill>
+              <a:effectLst/>
+              <a:latin typeface="Consolas" panose="020B0609020204030204" pitchFamily="49" charset="0"/>
+            </a:endParaRPr>
+          </a:p>
+          <a:p>
+            <a:r>
+              <a:rPr lang="en-IN" sz="1200" b="0" dirty="0">
+                <a:solidFill>
+                  <a:srgbClr val="0000FF"/>
+                </a:solidFill>
+                <a:effectLst/>
+                <a:latin typeface="Consolas" panose="020B0609020204030204" pitchFamily="49" charset="0"/>
+              </a:rPr>
+              <a:t>import</a:t>
+            </a:r>
+            <a:r>
+              <a:rPr lang="en-IN" sz="1200" b="0" dirty="0">
+                <a:solidFill>
+                  <a:srgbClr val="000000"/>
+                </a:solidFill>
+                <a:effectLst/>
+                <a:latin typeface="Consolas" panose="020B0609020204030204" pitchFamily="49" charset="0"/>
+              </a:rPr>
+              <a:t> {</a:t>
+            </a:r>
+            <a:r>
+              <a:rPr lang="en-IN" sz="1200" b="0" dirty="0" err="1">
+                <a:solidFill>
+                  <a:srgbClr val="000000"/>
+                </a:solidFill>
+                <a:effectLst/>
+                <a:latin typeface="Consolas" panose="020B0609020204030204" pitchFamily="49" charset="0"/>
+              </a:rPr>
+              <a:t>intenalUserAction</a:t>
+            </a:r>
+            <a:r>
+              <a:rPr lang="en-IN" sz="1200" b="0" dirty="0">
+                <a:solidFill>
+                  <a:srgbClr val="000000"/>
+                </a:solidFill>
+                <a:effectLst/>
+                <a:latin typeface="Consolas" panose="020B0609020204030204" pitchFamily="49" charset="0"/>
+              </a:rPr>
+              <a:t>, </a:t>
+            </a:r>
+            <a:r>
+              <a:rPr lang="en-IN" sz="1200" b="0" dirty="0" err="1">
+                <a:solidFill>
+                  <a:srgbClr val="000000"/>
+                </a:solidFill>
+                <a:effectLst/>
+                <a:latin typeface="Consolas" panose="020B0609020204030204" pitchFamily="49" charset="0"/>
+              </a:rPr>
+              <a:t>externalUserAction</a:t>
+            </a:r>
+            <a:r>
+              <a:rPr lang="en-IN" sz="1200" b="0" dirty="0">
+                <a:solidFill>
+                  <a:srgbClr val="000000"/>
+                </a:solidFill>
+                <a:effectLst/>
+                <a:latin typeface="Consolas" panose="020B0609020204030204" pitchFamily="49" charset="0"/>
+              </a:rPr>
+              <a:t>, </a:t>
+            </a:r>
+            <a:r>
+              <a:rPr lang="en-IN" sz="1200" b="0" dirty="0" err="1">
+                <a:solidFill>
+                  <a:srgbClr val="000000"/>
+                </a:solidFill>
+                <a:effectLst/>
+                <a:latin typeface="Consolas" panose="020B0609020204030204" pitchFamily="49" charset="0"/>
+              </a:rPr>
+              <a:t>subscribeAction</a:t>
+            </a:r>
+            <a:r>
+              <a:rPr lang="en-IN" sz="1200" b="0" dirty="0">
+                <a:solidFill>
+                  <a:srgbClr val="000000"/>
+                </a:solidFill>
+                <a:effectLst/>
+                <a:latin typeface="Consolas" panose="020B0609020204030204" pitchFamily="49" charset="0"/>
+              </a:rPr>
+              <a:t>} </a:t>
+            </a:r>
+            <a:r>
+              <a:rPr lang="en-IN" sz="1200" b="0" dirty="0">
+                <a:solidFill>
+                  <a:srgbClr val="0000FF"/>
+                </a:solidFill>
+                <a:effectLst/>
+                <a:latin typeface="Consolas" panose="020B0609020204030204" pitchFamily="49" charset="0"/>
+              </a:rPr>
+              <a:t>from</a:t>
+            </a:r>
+            <a:r>
+              <a:rPr lang="en-IN" sz="1200" b="0" dirty="0">
+                <a:solidFill>
+                  <a:srgbClr val="000000"/>
+                </a:solidFill>
+                <a:effectLst/>
+                <a:latin typeface="Consolas" panose="020B0609020204030204" pitchFamily="49" charset="0"/>
+              </a:rPr>
+              <a:t> </a:t>
+            </a:r>
+            <a:r>
+              <a:rPr lang="en-IN" sz="1200" b="0" dirty="0">
+                <a:solidFill>
+                  <a:srgbClr val="A31515"/>
+                </a:solidFill>
+                <a:effectLst/>
+                <a:latin typeface="Consolas" panose="020B0609020204030204" pitchFamily="49" charset="0"/>
+              </a:rPr>
+              <a:t>'./index'</a:t>
+            </a:r>
+            <a:r>
+              <a:rPr lang="en-IN" sz="1200" b="0" dirty="0">
+                <a:solidFill>
+                  <a:srgbClr val="000000"/>
+                </a:solidFill>
+                <a:effectLst/>
+                <a:latin typeface="Consolas" panose="020B0609020204030204" pitchFamily="49" charset="0"/>
+              </a:rPr>
+              <a:t>;</a:t>
+            </a:r>
+          </a:p>
+          <a:p>
+            <a:br>
+              <a:rPr lang="en-IN" sz="1200" b="0" dirty="0">
+                <a:solidFill>
+                  <a:srgbClr val="000000"/>
+                </a:solidFill>
+                <a:effectLst/>
+                <a:latin typeface="Consolas" panose="020B0609020204030204" pitchFamily="49" charset="0"/>
+              </a:rPr>
+            </a:br>
+            <a:r>
+              <a:rPr lang="en-IN" sz="1200" b="0" dirty="0" err="1">
+                <a:solidFill>
+                  <a:srgbClr val="0000FF"/>
+                </a:solidFill>
+                <a:effectLst/>
+                <a:latin typeface="Consolas" panose="020B0609020204030204" pitchFamily="49" charset="0"/>
+              </a:rPr>
+              <a:t>const</a:t>
+            </a:r>
+            <a:r>
+              <a:rPr lang="en-IN" sz="1200" b="0" dirty="0">
+                <a:solidFill>
+                  <a:srgbClr val="000000"/>
+                </a:solidFill>
+                <a:effectLst/>
+                <a:latin typeface="Consolas" panose="020B0609020204030204" pitchFamily="49" charset="0"/>
+              </a:rPr>
+              <a:t> App = () </a:t>
+            </a:r>
+            <a:r>
+              <a:rPr lang="en-IN" sz="1200" b="0" dirty="0">
+                <a:solidFill>
+                  <a:srgbClr val="0000FF"/>
+                </a:solidFill>
+                <a:effectLst/>
+                <a:latin typeface="Consolas" panose="020B0609020204030204" pitchFamily="49" charset="0"/>
+              </a:rPr>
+              <a:t>=&gt;</a:t>
+            </a:r>
+            <a:r>
+              <a:rPr lang="en-IN" sz="1200" b="0" dirty="0">
+                <a:solidFill>
+                  <a:srgbClr val="000000"/>
+                </a:solidFill>
+                <a:effectLst/>
+                <a:latin typeface="Consolas" panose="020B0609020204030204" pitchFamily="49" charset="0"/>
+              </a:rPr>
+              <a:t>{</a:t>
+            </a:r>
+          </a:p>
+          <a:p>
+            <a:r>
+              <a:rPr lang="en-IN" sz="1200" b="0" dirty="0">
+                <a:solidFill>
+                  <a:srgbClr val="000000"/>
+                </a:solidFill>
+                <a:effectLst/>
+                <a:latin typeface="Consolas" panose="020B0609020204030204" pitchFamily="49" charset="0"/>
+              </a:rPr>
+              <a:t>  </a:t>
+            </a:r>
+            <a:r>
+              <a:rPr lang="en-IN" sz="1200" b="0" dirty="0" err="1">
+                <a:solidFill>
+                  <a:srgbClr val="0000FF"/>
+                </a:solidFill>
+                <a:effectLst/>
+                <a:latin typeface="Consolas" panose="020B0609020204030204" pitchFamily="49" charset="0"/>
+              </a:rPr>
+              <a:t>const</a:t>
+            </a:r>
+            <a:r>
+              <a:rPr lang="en-IN" sz="1200" b="0" dirty="0">
+                <a:solidFill>
+                  <a:srgbClr val="000000"/>
+                </a:solidFill>
+                <a:effectLst/>
+                <a:latin typeface="Consolas" panose="020B0609020204030204" pitchFamily="49" charset="0"/>
+              </a:rPr>
+              <a:t> users = </a:t>
+            </a:r>
+            <a:r>
+              <a:rPr lang="en-IN" sz="1200" b="0" dirty="0" err="1">
+                <a:solidFill>
+                  <a:srgbClr val="000000"/>
+                </a:solidFill>
+                <a:effectLst/>
+                <a:latin typeface="Consolas" panose="020B0609020204030204" pitchFamily="49" charset="0"/>
+              </a:rPr>
+              <a:t>useSelector</a:t>
+            </a:r>
+            <a:r>
+              <a:rPr lang="en-IN" sz="1200" b="0" dirty="0">
+                <a:solidFill>
+                  <a:srgbClr val="000000"/>
+                </a:solidFill>
+                <a:effectLst/>
+                <a:latin typeface="Consolas" panose="020B0609020204030204" pitchFamily="49" charset="0"/>
+              </a:rPr>
+              <a:t>(state</a:t>
+            </a:r>
+            <a:r>
+              <a:rPr lang="en-IN" sz="1200" b="0" dirty="0">
+                <a:solidFill>
+                  <a:srgbClr val="0000FF"/>
+                </a:solidFill>
+                <a:effectLst/>
+                <a:latin typeface="Consolas" panose="020B0609020204030204" pitchFamily="49" charset="0"/>
+              </a:rPr>
+              <a:t>=&gt;</a:t>
+            </a:r>
+            <a:r>
+              <a:rPr lang="en-IN" sz="1200" b="0" dirty="0">
+                <a:solidFill>
+                  <a:srgbClr val="000000"/>
+                </a:solidFill>
+                <a:effectLst/>
+                <a:latin typeface="Consolas" panose="020B0609020204030204" pitchFamily="49" charset="0"/>
+              </a:rPr>
+              <a:t>state);</a:t>
+            </a:r>
+          </a:p>
+          <a:p>
+            <a:r>
+              <a:rPr lang="en-IN" sz="1200" b="0" dirty="0">
+                <a:solidFill>
+                  <a:srgbClr val="000000"/>
+                </a:solidFill>
+                <a:effectLst/>
+                <a:latin typeface="Consolas" panose="020B0609020204030204" pitchFamily="49" charset="0"/>
+              </a:rPr>
+              <a:t>  </a:t>
+            </a:r>
+            <a:r>
+              <a:rPr lang="en-IN" sz="1200" b="0" dirty="0" err="1">
+                <a:solidFill>
+                  <a:srgbClr val="0000FF"/>
+                </a:solidFill>
+                <a:effectLst/>
+                <a:latin typeface="Consolas" panose="020B0609020204030204" pitchFamily="49" charset="0"/>
+              </a:rPr>
+              <a:t>const</a:t>
+            </a:r>
+            <a:r>
+              <a:rPr lang="en-IN" sz="1200" b="0" dirty="0">
+                <a:solidFill>
+                  <a:srgbClr val="000000"/>
+                </a:solidFill>
+                <a:effectLst/>
+                <a:latin typeface="Consolas" panose="020B0609020204030204" pitchFamily="49" charset="0"/>
+              </a:rPr>
+              <a:t> dispatch= </a:t>
+            </a:r>
+            <a:r>
+              <a:rPr lang="en-IN" sz="1200" b="0" dirty="0" err="1">
+                <a:solidFill>
+                  <a:srgbClr val="000000"/>
+                </a:solidFill>
+                <a:effectLst/>
+                <a:latin typeface="Consolas" panose="020B0609020204030204" pitchFamily="49" charset="0"/>
+              </a:rPr>
+              <a:t>useDispatch</a:t>
+            </a:r>
+            <a:r>
+              <a:rPr lang="en-IN" sz="1200" b="0" dirty="0">
+                <a:solidFill>
+                  <a:srgbClr val="000000"/>
+                </a:solidFill>
+                <a:effectLst/>
+                <a:latin typeface="Consolas" panose="020B0609020204030204" pitchFamily="49" charset="0"/>
+              </a:rPr>
+              <a:t>();</a:t>
+            </a:r>
+          </a:p>
+          <a:p>
+            <a:r>
+              <a:rPr lang="en-IN" sz="1200" b="0" dirty="0">
+                <a:solidFill>
+                  <a:srgbClr val="000000"/>
+                </a:solidFill>
+                <a:effectLst/>
+                <a:latin typeface="Consolas" panose="020B0609020204030204" pitchFamily="49" charset="0"/>
+              </a:rPr>
+              <a:t>  </a:t>
+            </a:r>
+            <a:r>
+              <a:rPr lang="en-IN" sz="1200" b="0" dirty="0">
+                <a:solidFill>
+                  <a:srgbClr val="0000FF"/>
+                </a:solidFill>
+                <a:effectLst/>
+                <a:latin typeface="Consolas" panose="020B0609020204030204" pitchFamily="49" charset="0"/>
+              </a:rPr>
+              <a:t>return</a:t>
+            </a:r>
+            <a:r>
+              <a:rPr lang="en-IN" sz="1200" b="0" dirty="0">
+                <a:solidFill>
+                  <a:srgbClr val="000000"/>
+                </a:solidFill>
+                <a:effectLst/>
+                <a:latin typeface="Consolas" panose="020B0609020204030204" pitchFamily="49" charset="0"/>
+              </a:rPr>
+              <a:t> (</a:t>
+            </a:r>
+          </a:p>
+          <a:p>
+            <a:r>
+              <a:rPr lang="en-IN" sz="1200" b="0" dirty="0">
+                <a:solidFill>
+                  <a:srgbClr val="000000"/>
+                </a:solidFill>
+                <a:effectLst/>
+                <a:latin typeface="Consolas" panose="020B0609020204030204" pitchFamily="49" charset="0"/>
+              </a:rPr>
+              <a:t>    </a:t>
+            </a:r>
+            <a:r>
+              <a:rPr lang="en-IN" sz="1200" b="0" dirty="0">
+                <a:solidFill>
+                  <a:srgbClr val="800000"/>
+                </a:solidFill>
+                <a:effectLst/>
+                <a:latin typeface="Consolas" panose="020B0609020204030204" pitchFamily="49" charset="0"/>
+              </a:rPr>
+              <a:t>&lt;&gt;</a:t>
+            </a:r>
+            <a:endParaRPr lang="en-IN" sz="1200" b="0" dirty="0">
+              <a:solidFill>
+                <a:srgbClr val="000000"/>
+              </a:solidFill>
+              <a:effectLst/>
+              <a:latin typeface="Consolas" panose="020B0609020204030204" pitchFamily="49" charset="0"/>
+            </a:endParaRPr>
+          </a:p>
+          <a:p>
+            <a:r>
+              <a:rPr lang="en-IN" sz="1200" b="0" dirty="0">
+                <a:solidFill>
+                  <a:srgbClr val="000000"/>
+                </a:solidFill>
+                <a:effectLst/>
+                <a:latin typeface="Consolas" panose="020B0609020204030204" pitchFamily="49" charset="0"/>
+              </a:rPr>
+              <a:t>    </a:t>
+            </a:r>
+            <a:r>
+              <a:rPr lang="en-IN" sz="1200" b="0" dirty="0">
+                <a:solidFill>
+                  <a:srgbClr val="800000"/>
+                </a:solidFill>
+                <a:effectLst/>
+                <a:latin typeface="Consolas" panose="020B0609020204030204" pitchFamily="49" charset="0"/>
+              </a:rPr>
+              <a:t>&lt;h1&gt;</a:t>
+            </a:r>
+            <a:r>
+              <a:rPr lang="en-IN" sz="1200" b="0" dirty="0">
+                <a:solidFill>
+                  <a:srgbClr val="0000FF"/>
+                </a:solidFill>
+                <a:effectLst/>
+                <a:latin typeface="Consolas" panose="020B0609020204030204" pitchFamily="49" charset="0"/>
+              </a:rPr>
+              <a:t>{</a:t>
+            </a:r>
+            <a:r>
+              <a:rPr lang="en-IN" sz="1200" b="0" dirty="0">
+                <a:solidFill>
+                  <a:srgbClr val="000000"/>
+                </a:solidFill>
+                <a:effectLst/>
+                <a:latin typeface="Consolas" panose="020B0609020204030204" pitchFamily="49" charset="0"/>
+              </a:rPr>
+              <a:t>users.</a:t>
+            </a:r>
+            <a:r>
+              <a:rPr lang="en-IN" sz="1200" b="0" dirty="0" err="1">
+                <a:solidFill>
+                  <a:srgbClr val="000000"/>
+                </a:solidFill>
+                <a:effectLst/>
+                <a:latin typeface="Consolas" panose="020B0609020204030204" pitchFamily="49" charset="0"/>
+              </a:rPr>
+              <a:t>isSubscribe</a:t>
+            </a:r>
+            <a:r>
+              <a:rPr lang="en-IN" sz="1200" b="0" dirty="0">
+                <a:solidFill>
+                  <a:srgbClr val="000000"/>
+                </a:solidFill>
+                <a:effectLst/>
+                <a:latin typeface="Consolas" panose="020B0609020204030204" pitchFamily="49" charset="0"/>
+              </a:rPr>
+              <a:t>?</a:t>
+            </a:r>
+            <a:r>
+              <a:rPr lang="en-IN" sz="1200" b="0" dirty="0">
+                <a:solidFill>
+                  <a:srgbClr val="A31515"/>
+                </a:solidFill>
+                <a:effectLst/>
+                <a:latin typeface="Consolas" panose="020B0609020204030204" pitchFamily="49" charset="0"/>
+              </a:rPr>
+              <a:t>'</a:t>
+            </a:r>
+            <a:r>
+              <a:rPr lang="en-IN" sz="1200" b="0" dirty="0" err="1">
+                <a:solidFill>
+                  <a:srgbClr val="A31515"/>
+                </a:solidFill>
+                <a:effectLst/>
+                <a:latin typeface="Consolas" panose="020B0609020204030204" pitchFamily="49" charset="0"/>
+              </a:rPr>
+              <a:t>true'</a:t>
+            </a:r>
+            <a:r>
+              <a:rPr lang="en-IN" sz="1200" b="0" dirty="0" err="1">
+                <a:solidFill>
+                  <a:srgbClr val="000000"/>
+                </a:solidFill>
+                <a:effectLst/>
+                <a:latin typeface="Consolas" panose="020B0609020204030204" pitchFamily="49" charset="0"/>
+              </a:rPr>
+              <a:t>:</a:t>
+            </a:r>
+            <a:r>
+              <a:rPr lang="en-IN" sz="1200" b="0" dirty="0" err="1">
+                <a:solidFill>
+                  <a:srgbClr val="A31515"/>
+                </a:solidFill>
+                <a:effectLst/>
+                <a:latin typeface="Consolas" panose="020B0609020204030204" pitchFamily="49" charset="0"/>
+              </a:rPr>
+              <a:t>'false</a:t>
+            </a:r>
+            <a:r>
+              <a:rPr lang="en-IN" sz="1200" b="0" dirty="0">
+                <a:solidFill>
+                  <a:srgbClr val="A31515"/>
+                </a:solidFill>
+                <a:effectLst/>
+                <a:latin typeface="Consolas" panose="020B0609020204030204" pitchFamily="49" charset="0"/>
+              </a:rPr>
+              <a:t>'</a:t>
+            </a:r>
+            <a:r>
+              <a:rPr lang="en-IN" sz="1200" b="0" dirty="0">
+                <a:solidFill>
+                  <a:srgbClr val="0000FF"/>
+                </a:solidFill>
+                <a:effectLst/>
+                <a:latin typeface="Consolas" panose="020B0609020204030204" pitchFamily="49" charset="0"/>
+              </a:rPr>
+              <a:t>}</a:t>
+            </a:r>
+            <a:r>
+              <a:rPr lang="en-IN" sz="1200" b="0" dirty="0">
+                <a:solidFill>
+                  <a:srgbClr val="800000"/>
+                </a:solidFill>
+                <a:effectLst/>
+                <a:latin typeface="Consolas" panose="020B0609020204030204" pitchFamily="49" charset="0"/>
+              </a:rPr>
+              <a:t>&lt;/h1&gt;</a:t>
+            </a:r>
+            <a:endParaRPr lang="en-IN" sz="1200" b="0" dirty="0">
+              <a:solidFill>
+                <a:srgbClr val="000000"/>
+              </a:solidFill>
+              <a:effectLst/>
+              <a:latin typeface="Consolas" panose="020B0609020204030204" pitchFamily="49" charset="0"/>
+            </a:endParaRPr>
+          </a:p>
+          <a:p>
+            <a:r>
+              <a:rPr lang="en-IN" sz="1200" b="0" dirty="0">
+                <a:solidFill>
+                  <a:srgbClr val="000000"/>
+                </a:solidFill>
+                <a:effectLst/>
+                <a:latin typeface="Consolas" panose="020B0609020204030204" pitchFamily="49" charset="0"/>
+              </a:rPr>
+              <a:t>    </a:t>
+            </a:r>
+            <a:r>
+              <a:rPr lang="en-IN" sz="1200" b="0" dirty="0">
+                <a:solidFill>
+                  <a:srgbClr val="800000"/>
+                </a:solidFill>
+                <a:effectLst/>
+                <a:latin typeface="Consolas" panose="020B0609020204030204" pitchFamily="49" charset="0"/>
+              </a:rPr>
+              <a:t>&lt;h1&gt;</a:t>
+            </a:r>
+            <a:r>
+              <a:rPr lang="en-IN" sz="1200" b="0" dirty="0">
+                <a:solidFill>
+                  <a:srgbClr val="0000FF"/>
+                </a:solidFill>
+                <a:effectLst/>
+                <a:latin typeface="Consolas" panose="020B0609020204030204" pitchFamily="49" charset="0"/>
+              </a:rPr>
+              <a:t>{</a:t>
+            </a:r>
+            <a:r>
+              <a:rPr lang="en-IN" sz="1200" b="0" dirty="0" err="1">
+                <a:solidFill>
+                  <a:srgbClr val="000000"/>
+                </a:solidFill>
+                <a:effectLst/>
+                <a:latin typeface="Consolas" panose="020B0609020204030204" pitchFamily="49" charset="0"/>
+              </a:rPr>
+              <a:t>users.stateValue</a:t>
+            </a:r>
+            <a:r>
+              <a:rPr lang="en-IN" sz="1200" b="0" dirty="0">
+                <a:solidFill>
+                  <a:srgbClr val="0000FF"/>
+                </a:solidFill>
+                <a:effectLst/>
+                <a:latin typeface="Consolas" panose="020B0609020204030204" pitchFamily="49" charset="0"/>
+              </a:rPr>
+              <a:t>}</a:t>
+            </a:r>
+            <a:r>
+              <a:rPr lang="en-IN" sz="1200" b="0" dirty="0">
+                <a:solidFill>
+                  <a:srgbClr val="800000"/>
+                </a:solidFill>
+                <a:effectLst/>
+                <a:latin typeface="Consolas" panose="020B0609020204030204" pitchFamily="49" charset="0"/>
+              </a:rPr>
+              <a:t>&lt;/h1&gt;</a:t>
+            </a:r>
+            <a:r>
+              <a:rPr lang="en-IN" sz="1200" b="0" dirty="0">
+                <a:solidFill>
+                  <a:srgbClr val="000000"/>
+                </a:solidFill>
+                <a:effectLst/>
+                <a:latin typeface="Consolas" panose="020B0609020204030204" pitchFamily="49" charset="0"/>
+              </a:rPr>
+              <a:t>    </a:t>
+            </a:r>
+          </a:p>
+          <a:p>
+            <a:r>
+              <a:rPr lang="en-IN" sz="1200" b="0" dirty="0">
+                <a:solidFill>
+                  <a:srgbClr val="000000"/>
+                </a:solidFill>
+                <a:effectLst/>
+                <a:latin typeface="Consolas" panose="020B0609020204030204" pitchFamily="49" charset="0"/>
+              </a:rPr>
+              <a:t>    </a:t>
+            </a:r>
+            <a:r>
+              <a:rPr lang="en-IN" sz="1200" b="0" dirty="0">
+                <a:solidFill>
+                  <a:srgbClr val="800000"/>
+                </a:solidFill>
+                <a:effectLst/>
+                <a:latin typeface="Consolas" panose="020B0609020204030204" pitchFamily="49" charset="0"/>
+              </a:rPr>
+              <a:t>&lt;button</a:t>
+            </a:r>
+            <a:r>
+              <a:rPr lang="en-IN" sz="1200" b="0" dirty="0">
+                <a:solidFill>
+                  <a:srgbClr val="000000"/>
+                </a:solidFill>
+                <a:effectLst/>
+                <a:latin typeface="Consolas" panose="020B0609020204030204" pitchFamily="49" charset="0"/>
+              </a:rPr>
+              <a:t> </a:t>
+            </a:r>
+            <a:r>
+              <a:rPr lang="en-IN" sz="1200" b="0" dirty="0">
+                <a:solidFill>
+                  <a:srgbClr val="FF0000"/>
+                </a:solidFill>
+                <a:effectLst/>
+                <a:latin typeface="Consolas" panose="020B0609020204030204" pitchFamily="49" charset="0"/>
+              </a:rPr>
+              <a:t>disabled</a:t>
+            </a:r>
+            <a:r>
+              <a:rPr lang="en-IN" sz="1200" b="0" dirty="0">
+                <a:solidFill>
+                  <a:srgbClr val="000000"/>
+                </a:solidFill>
+                <a:effectLst/>
+                <a:latin typeface="Consolas" panose="020B0609020204030204" pitchFamily="49" charset="0"/>
+              </a:rPr>
+              <a:t> = </a:t>
+            </a:r>
+            <a:r>
+              <a:rPr lang="en-IN" sz="1200" b="0" dirty="0">
+                <a:solidFill>
+                  <a:srgbClr val="0000FF"/>
+                </a:solidFill>
+                <a:effectLst/>
+                <a:latin typeface="Consolas" panose="020B0609020204030204" pitchFamily="49" charset="0"/>
+              </a:rPr>
+              <a:t>{</a:t>
+            </a:r>
+            <a:r>
+              <a:rPr lang="en-IN" sz="1200" b="0" dirty="0">
+                <a:solidFill>
+                  <a:srgbClr val="000000"/>
+                </a:solidFill>
+                <a:effectLst/>
+                <a:latin typeface="Consolas" panose="020B0609020204030204" pitchFamily="49" charset="0"/>
+              </a:rPr>
+              <a:t>!</a:t>
+            </a:r>
+            <a:r>
+              <a:rPr lang="en-IN" sz="1200" b="0" dirty="0" err="1">
+                <a:solidFill>
+                  <a:srgbClr val="000000"/>
+                </a:solidFill>
+                <a:effectLst/>
+                <a:latin typeface="Consolas" panose="020B0609020204030204" pitchFamily="49" charset="0"/>
+              </a:rPr>
+              <a:t>users.isSubscribe</a:t>
+            </a:r>
+            <a:r>
+              <a:rPr lang="en-IN" sz="1200" b="0" dirty="0">
+                <a:solidFill>
+                  <a:srgbClr val="0000FF"/>
+                </a:solidFill>
+                <a:effectLst/>
+                <a:latin typeface="Consolas" panose="020B0609020204030204" pitchFamily="49" charset="0"/>
+              </a:rPr>
+              <a:t>}</a:t>
+            </a:r>
+            <a:r>
+              <a:rPr lang="en-IN" sz="1200" b="0" dirty="0">
+                <a:solidFill>
+                  <a:srgbClr val="000000"/>
+                </a:solidFill>
+                <a:effectLst/>
+                <a:latin typeface="Consolas" panose="020B0609020204030204" pitchFamily="49" charset="0"/>
+              </a:rPr>
+              <a:t>  </a:t>
+            </a:r>
+            <a:r>
+              <a:rPr lang="en-IN" sz="1200" b="0" dirty="0" err="1">
+                <a:solidFill>
+                  <a:srgbClr val="FF0000"/>
+                </a:solidFill>
+                <a:effectLst/>
+                <a:latin typeface="Consolas" panose="020B0609020204030204" pitchFamily="49" charset="0"/>
+              </a:rPr>
+              <a:t>onClick</a:t>
+            </a:r>
+            <a:r>
+              <a:rPr lang="en-IN" sz="1200" b="0" dirty="0">
+                <a:solidFill>
+                  <a:srgbClr val="000000"/>
+                </a:solidFill>
+                <a:effectLst/>
+                <a:latin typeface="Consolas" panose="020B0609020204030204" pitchFamily="49" charset="0"/>
+              </a:rPr>
+              <a:t> = </a:t>
+            </a:r>
+            <a:r>
+              <a:rPr lang="en-IN" sz="1200" b="0" dirty="0">
+                <a:solidFill>
+                  <a:srgbClr val="0000FF"/>
+                </a:solidFill>
+                <a:effectLst/>
+                <a:latin typeface="Consolas" panose="020B0609020204030204" pitchFamily="49" charset="0"/>
+              </a:rPr>
+              <a:t>{</a:t>
+            </a:r>
+            <a:r>
+              <a:rPr lang="en-IN" sz="1200" b="0" dirty="0">
+                <a:solidFill>
+                  <a:srgbClr val="000000"/>
+                </a:solidFill>
+                <a:effectLst/>
+                <a:latin typeface="Consolas" panose="020B0609020204030204" pitchFamily="49" charset="0"/>
+              </a:rPr>
+              <a:t>()</a:t>
+            </a:r>
+            <a:r>
+              <a:rPr lang="en-IN" sz="1200" b="0" dirty="0">
+                <a:solidFill>
+                  <a:srgbClr val="0000FF"/>
+                </a:solidFill>
+                <a:effectLst/>
+                <a:latin typeface="Consolas" panose="020B0609020204030204" pitchFamily="49" charset="0"/>
+              </a:rPr>
+              <a:t>=&gt;</a:t>
+            </a:r>
+            <a:r>
+              <a:rPr lang="en-IN" sz="1200" b="0" dirty="0">
+                <a:solidFill>
+                  <a:srgbClr val="000000"/>
+                </a:solidFill>
+                <a:effectLst/>
+                <a:latin typeface="Consolas" panose="020B0609020204030204" pitchFamily="49" charset="0"/>
+              </a:rPr>
+              <a:t>dispatch(</a:t>
+            </a:r>
+            <a:r>
+              <a:rPr lang="en-IN" sz="1200" b="0" dirty="0" err="1">
+                <a:solidFill>
+                  <a:srgbClr val="000000"/>
+                </a:solidFill>
+                <a:effectLst/>
+                <a:latin typeface="Consolas" panose="020B0609020204030204" pitchFamily="49" charset="0"/>
+              </a:rPr>
+              <a:t>intenalUserAction</a:t>
+            </a:r>
+            <a:r>
+              <a:rPr lang="en-IN" sz="1200" b="0" dirty="0">
+                <a:solidFill>
+                  <a:srgbClr val="000000"/>
+                </a:solidFill>
+                <a:effectLst/>
+                <a:latin typeface="Consolas" panose="020B0609020204030204" pitchFamily="49" charset="0"/>
+              </a:rPr>
+              <a:t>())</a:t>
+            </a:r>
+            <a:r>
+              <a:rPr lang="en-IN" sz="1200" b="0" dirty="0">
+                <a:solidFill>
+                  <a:srgbClr val="0000FF"/>
+                </a:solidFill>
+                <a:effectLst/>
+                <a:latin typeface="Consolas" panose="020B0609020204030204" pitchFamily="49" charset="0"/>
+              </a:rPr>
+              <a:t>}</a:t>
+            </a:r>
+            <a:r>
+              <a:rPr lang="en-IN" sz="1200" b="0" dirty="0">
+                <a:solidFill>
+                  <a:srgbClr val="800000"/>
+                </a:solidFill>
+                <a:effectLst/>
+                <a:latin typeface="Consolas" panose="020B0609020204030204" pitchFamily="49" charset="0"/>
+              </a:rPr>
+              <a:t>&gt;</a:t>
+            </a:r>
+            <a:r>
+              <a:rPr lang="en-IN" sz="1200" b="0" dirty="0">
+                <a:solidFill>
+                  <a:srgbClr val="000000"/>
+                </a:solidFill>
+                <a:effectLst/>
+                <a:latin typeface="Consolas" panose="020B0609020204030204" pitchFamily="49" charset="0"/>
+              </a:rPr>
+              <a:t>Internal User</a:t>
+            </a:r>
+            <a:r>
+              <a:rPr lang="en-IN" sz="1200" b="0" dirty="0">
+                <a:solidFill>
+                  <a:srgbClr val="800000"/>
+                </a:solidFill>
+                <a:effectLst/>
+                <a:latin typeface="Consolas" panose="020B0609020204030204" pitchFamily="49" charset="0"/>
+              </a:rPr>
+              <a:t>&lt;/button&gt;</a:t>
+            </a:r>
+            <a:r>
+              <a:rPr lang="en-IN" sz="1200" b="0" dirty="0">
+                <a:solidFill>
+                  <a:srgbClr val="000000"/>
+                </a:solidFill>
+                <a:effectLst/>
+                <a:latin typeface="Consolas" panose="020B0609020204030204" pitchFamily="49" charset="0"/>
+              </a:rPr>
+              <a:t>&amp;</a:t>
+            </a:r>
+            <a:r>
+              <a:rPr lang="en-IN" sz="1200" b="0" dirty="0" err="1">
+                <a:solidFill>
+                  <a:srgbClr val="000000"/>
+                </a:solidFill>
+                <a:effectLst/>
+                <a:latin typeface="Consolas" panose="020B0609020204030204" pitchFamily="49" charset="0"/>
+              </a:rPr>
+              <a:t>nbsp</a:t>
+            </a:r>
+            <a:r>
+              <a:rPr lang="en-IN" sz="1200" b="0" dirty="0">
+                <a:solidFill>
+                  <a:srgbClr val="000000"/>
+                </a:solidFill>
+                <a:effectLst/>
+                <a:latin typeface="Consolas" panose="020B0609020204030204" pitchFamily="49" charset="0"/>
+              </a:rPr>
+              <a:t>;</a:t>
+            </a:r>
+          </a:p>
+          <a:p>
+            <a:r>
+              <a:rPr lang="en-IN" sz="1200" b="0" dirty="0">
+                <a:solidFill>
+                  <a:srgbClr val="000000"/>
+                </a:solidFill>
+                <a:effectLst/>
+                <a:latin typeface="Consolas" panose="020B0609020204030204" pitchFamily="49" charset="0"/>
+              </a:rPr>
+              <a:t>    </a:t>
+            </a:r>
+            <a:r>
+              <a:rPr lang="en-IN" sz="1200" b="0" dirty="0">
+                <a:solidFill>
+                  <a:srgbClr val="800000"/>
+                </a:solidFill>
+                <a:effectLst/>
+                <a:latin typeface="Consolas" panose="020B0609020204030204" pitchFamily="49" charset="0"/>
+              </a:rPr>
+              <a:t>&lt;button</a:t>
+            </a:r>
+            <a:r>
+              <a:rPr lang="en-IN" sz="1200" b="0" dirty="0">
+                <a:solidFill>
+                  <a:srgbClr val="000000"/>
+                </a:solidFill>
+                <a:effectLst/>
+                <a:latin typeface="Consolas" panose="020B0609020204030204" pitchFamily="49" charset="0"/>
+              </a:rPr>
+              <a:t> </a:t>
+            </a:r>
+            <a:r>
+              <a:rPr lang="en-IN" sz="1200" b="0" dirty="0">
+                <a:solidFill>
+                  <a:srgbClr val="FF0000"/>
+                </a:solidFill>
+                <a:effectLst/>
+                <a:latin typeface="Consolas" panose="020B0609020204030204" pitchFamily="49" charset="0"/>
+              </a:rPr>
+              <a:t>disabled</a:t>
+            </a:r>
+            <a:r>
+              <a:rPr lang="en-IN" sz="1200" b="0" dirty="0">
+                <a:solidFill>
+                  <a:srgbClr val="000000"/>
+                </a:solidFill>
+                <a:effectLst/>
+                <a:latin typeface="Consolas" panose="020B0609020204030204" pitchFamily="49" charset="0"/>
+              </a:rPr>
+              <a:t> = </a:t>
+            </a:r>
+            <a:r>
+              <a:rPr lang="en-IN" sz="1200" b="0" dirty="0">
+                <a:solidFill>
+                  <a:srgbClr val="0000FF"/>
+                </a:solidFill>
+                <a:effectLst/>
+                <a:latin typeface="Consolas" panose="020B0609020204030204" pitchFamily="49" charset="0"/>
+              </a:rPr>
+              <a:t>{</a:t>
+            </a:r>
+            <a:r>
+              <a:rPr lang="en-IN" sz="1200" b="0" dirty="0">
+                <a:solidFill>
+                  <a:srgbClr val="000000"/>
+                </a:solidFill>
+                <a:effectLst/>
+                <a:latin typeface="Consolas" panose="020B0609020204030204" pitchFamily="49" charset="0"/>
+              </a:rPr>
+              <a:t>!</a:t>
+            </a:r>
+            <a:r>
+              <a:rPr lang="en-IN" sz="1200" b="0" dirty="0" err="1">
+                <a:solidFill>
+                  <a:srgbClr val="000000"/>
+                </a:solidFill>
+                <a:effectLst/>
+                <a:latin typeface="Consolas" panose="020B0609020204030204" pitchFamily="49" charset="0"/>
+              </a:rPr>
+              <a:t>users.isSubscribe</a:t>
+            </a:r>
+            <a:r>
+              <a:rPr lang="en-IN" sz="1200" b="0" dirty="0">
+                <a:solidFill>
+                  <a:srgbClr val="0000FF"/>
+                </a:solidFill>
+                <a:effectLst/>
+                <a:latin typeface="Consolas" panose="020B0609020204030204" pitchFamily="49" charset="0"/>
+              </a:rPr>
+              <a:t>}</a:t>
+            </a:r>
+            <a:r>
+              <a:rPr lang="en-IN" sz="1200" b="0" dirty="0">
+                <a:solidFill>
+                  <a:srgbClr val="000000"/>
+                </a:solidFill>
+                <a:effectLst/>
+                <a:latin typeface="Consolas" panose="020B0609020204030204" pitchFamily="49" charset="0"/>
+              </a:rPr>
+              <a:t> </a:t>
+            </a:r>
+            <a:r>
+              <a:rPr lang="en-IN" sz="1200" b="0" dirty="0" err="1">
+                <a:solidFill>
+                  <a:srgbClr val="FF0000"/>
+                </a:solidFill>
+                <a:effectLst/>
+                <a:latin typeface="Consolas" panose="020B0609020204030204" pitchFamily="49" charset="0"/>
+              </a:rPr>
+              <a:t>onClick</a:t>
+            </a:r>
+            <a:r>
+              <a:rPr lang="en-IN" sz="1200" b="0" dirty="0">
+                <a:solidFill>
+                  <a:srgbClr val="000000"/>
+                </a:solidFill>
+                <a:effectLst/>
+                <a:latin typeface="Consolas" panose="020B0609020204030204" pitchFamily="49" charset="0"/>
+              </a:rPr>
+              <a:t> = </a:t>
+            </a:r>
+            <a:r>
+              <a:rPr lang="en-IN" sz="1200" b="0" dirty="0">
+                <a:solidFill>
+                  <a:srgbClr val="0000FF"/>
+                </a:solidFill>
+                <a:effectLst/>
+                <a:latin typeface="Consolas" panose="020B0609020204030204" pitchFamily="49" charset="0"/>
+              </a:rPr>
+              <a:t>{</a:t>
+            </a:r>
+            <a:r>
+              <a:rPr lang="en-IN" sz="1200" b="0" dirty="0">
+                <a:solidFill>
+                  <a:srgbClr val="000000"/>
+                </a:solidFill>
+                <a:effectLst/>
+                <a:latin typeface="Consolas" panose="020B0609020204030204" pitchFamily="49" charset="0"/>
+              </a:rPr>
+              <a:t>()</a:t>
+            </a:r>
+            <a:r>
+              <a:rPr lang="en-IN" sz="1200" b="0" dirty="0">
+                <a:solidFill>
+                  <a:srgbClr val="0000FF"/>
+                </a:solidFill>
+                <a:effectLst/>
+                <a:latin typeface="Consolas" panose="020B0609020204030204" pitchFamily="49" charset="0"/>
+              </a:rPr>
+              <a:t>=&gt;</a:t>
+            </a:r>
+            <a:r>
+              <a:rPr lang="en-IN" sz="1200" b="0" dirty="0">
+                <a:solidFill>
+                  <a:srgbClr val="000000"/>
+                </a:solidFill>
+                <a:effectLst/>
+                <a:latin typeface="Consolas" panose="020B0609020204030204" pitchFamily="49" charset="0"/>
+              </a:rPr>
+              <a:t>dispatch(</a:t>
+            </a:r>
+            <a:r>
+              <a:rPr lang="en-IN" sz="1200" b="0" dirty="0" err="1">
+                <a:solidFill>
+                  <a:srgbClr val="000000"/>
+                </a:solidFill>
+                <a:effectLst/>
+                <a:latin typeface="Consolas" panose="020B0609020204030204" pitchFamily="49" charset="0"/>
+              </a:rPr>
+              <a:t>externalUserAction</a:t>
+            </a:r>
+            <a:r>
+              <a:rPr lang="en-IN" sz="1200" b="0" dirty="0">
+                <a:solidFill>
+                  <a:srgbClr val="000000"/>
+                </a:solidFill>
+                <a:effectLst/>
+                <a:latin typeface="Consolas" panose="020B0609020204030204" pitchFamily="49" charset="0"/>
+              </a:rPr>
+              <a:t>())</a:t>
+            </a:r>
+            <a:r>
+              <a:rPr lang="en-IN" sz="1200" b="0" dirty="0">
+                <a:solidFill>
+                  <a:srgbClr val="0000FF"/>
+                </a:solidFill>
+                <a:effectLst/>
+                <a:latin typeface="Consolas" panose="020B0609020204030204" pitchFamily="49" charset="0"/>
+              </a:rPr>
+              <a:t>}</a:t>
+            </a:r>
+            <a:r>
+              <a:rPr lang="en-IN" sz="1200" b="0" dirty="0">
+                <a:solidFill>
+                  <a:srgbClr val="800000"/>
+                </a:solidFill>
+                <a:effectLst/>
+                <a:latin typeface="Consolas" panose="020B0609020204030204" pitchFamily="49" charset="0"/>
+              </a:rPr>
+              <a:t>&gt;</a:t>
+            </a:r>
+            <a:r>
+              <a:rPr lang="en-IN" sz="1200" b="0" dirty="0">
+                <a:solidFill>
+                  <a:srgbClr val="000000"/>
+                </a:solidFill>
+                <a:effectLst/>
+                <a:latin typeface="Consolas" panose="020B0609020204030204" pitchFamily="49" charset="0"/>
+              </a:rPr>
+              <a:t>External Action</a:t>
+            </a:r>
+            <a:r>
+              <a:rPr lang="en-IN" sz="1200" b="0" dirty="0">
+                <a:solidFill>
+                  <a:srgbClr val="800000"/>
+                </a:solidFill>
+                <a:effectLst/>
+                <a:latin typeface="Consolas" panose="020B0609020204030204" pitchFamily="49" charset="0"/>
+              </a:rPr>
+              <a:t>&lt;/button&gt;</a:t>
+            </a:r>
+            <a:r>
+              <a:rPr lang="en-IN" sz="1200" b="0" dirty="0">
+                <a:solidFill>
+                  <a:srgbClr val="000000"/>
+                </a:solidFill>
+                <a:effectLst/>
+                <a:latin typeface="Consolas" panose="020B0609020204030204" pitchFamily="49" charset="0"/>
+              </a:rPr>
+              <a:t> &amp;</a:t>
+            </a:r>
+            <a:r>
+              <a:rPr lang="en-IN" sz="1200" b="0" dirty="0" err="1">
+                <a:solidFill>
+                  <a:srgbClr val="000000"/>
+                </a:solidFill>
+                <a:effectLst/>
+                <a:latin typeface="Consolas" panose="020B0609020204030204" pitchFamily="49" charset="0"/>
+              </a:rPr>
+              <a:t>nbsp</a:t>
+            </a:r>
+            <a:r>
+              <a:rPr lang="en-IN" sz="1200" b="0" dirty="0">
+                <a:solidFill>
+                  <a:srgbClr val="000000"/>
+                </a:solidFill>
+                <a:effectLst/>
+                <a:latin typeface="Consolas" panose="020B0609020204030204" pitchFamily="49" charset="0"/>
+              </a:rPr>
+              <a:t>;  </a:t>
+            </a:r>
+          </a:p>
+          <a:p>
+            <a:r>
+              <a:rPr lang="en-IN" sz="1200" b="0" dirty="0">
+                <a:solidFill>
+                  <a:srgbClr val="000000"/>
+                </a:solidFill>
+                <a:effectLst/>
+                <a:latin typeface="Consolas" panose="020B0609020204030204" pitchFamily="49" charset="0"/>
+              </a:rPr>
+              <a:t>    </a:t>
+            </a:r>
+            <a:r>
+              <a:rPr lang="en-IN" sz="1200" b="0" dirty="0">
+                <a:solidFill>
+                  <a:srgbClr val="800000"/>
+                </a:solidFill>
+                <a:effectLst/>
+                <a:latin typeface="Consolas" panose="020B0609020204030204" pitchFamily="49" charset="0"/>
+              </a:rPr>
+              <a:t>&lt;button</a:t>
+            </a:r>
+            <a:r>
+              <a:rPr lang="en-IN" sz="1200" b="0" dirty="0">
+                <a:solidFill>
+                  <a:srgbClr val="000000"/>
+                </a:solidFill>
+                <a:effectLst/>
+                <a:latin typeface="Consolas" panose="020B0609020204030204" pitchFamily="49" charset="0"/>
+              </a:rPr>
+              <a:t> </a:t>
+            </a:r>
+            <a:r>
+              <a:rPr lang="en-IN" sz="1200" b="0" dirty="0" err="1">
+                <a:solidFill>
+                  <a:srgbClr val="FF0000"/>
+                </a:solidFill>
+                <a:effectLst/>
+                <a:latin typeface="Consolas" panose="020B0609020204030204" pitchFamily="49" charset="0"/>
+              </a:rPr>
+              <a:t>onClick</a:t>
+            </a:r>
+            <a:r>
+              <a:rPr lang="en-IN" sz="1200" b="0" dirty="0">
+                <a:solidFill>
+                  <a:srgbClr val="000000"/>
+                </a:solidFill>
+                <a:effectLst/>
+                <a:latin typeface="Consolas" panose="020B0609020204030204" pitchFamily="49" charset="0"/>
+              </a:rPr>
+              <a:t> = </a:t>
+            </a:r>
+            <a:r>
+              <a:rPr lang="en-IN" sz="1200" b="0" dirty="0">
+                <a:solidFill>
+                  <a:srgbClr val="0000FF"/>
+                </a:solidFill>
+                <a:effectLst/>
+                <a:latin typeface="Consolas" panose="020B0609020204030204" pitchFamily="49" charset="0"/>
+              </a:rPr>
+              <a:t>{</a:t>
+            </a:r>
+            <a:r>
+              <a:rPr lang="en-IN" sz="1200" b="0" dirty="0">
+                <a:solidFill>
+                  <a:srgbClr val="000000"/>
+                </a:solidFill>
+                <a:effectLst/>
+                <a:latin typeface="Consolas" panose="020B0609020204030204" pitchFamily="49" charset="0"/>
+              </a:rPr>
+              <a:t>()</a:t>
+            </a:r>
+            <a:r>
+              <a:rPr lang="en-IN" sz="1200" b="0" dirty="0">
+                <a:solidFill>
+                  <a:srgbClr val="0000FF"/>
+                </a:solidFill>
+                <a:effectLst/>
+                <a:latin typeface="Consolas" panose="020B0609020204030204" pitchFamily="49" charset="0"/>
+              </a:rPr>
+              <a:t>=&gt;</a:t>
+            </a:r>
+            <a:r>
+              <a:rPr lang="en-IN" sz="1200" b="0" dirty="0">
+                <a:solidFill>
+                  <a:srgbClr val="000000"/>
+                </a:solidFill>
+                <a:effectLst/>
+                <a:latin typeface="Consolas" panose="020B0609020204030204" pitchFamily="49" charset="0"/>
+              </a:rPr>
+              <a:t>dispatch(</a:t>
+            </a:r>
+            <a:r>
+              <a:rPr lang="en-IN" sz="1200" b="0" dirty="0" err="1">
+                <a:solidFill>
+                  <a:srgbClr val="000000"/>
+                </a:solidFill>
+                <a:effectLst/>
+                <a:latin typeface="Consolas" panose="020B0609020204030204" pitchFamily="49" charset="0"/>
+              </a:rPr>
+              <a:t>subscribeAction</a:t>
+            </a:r>
+            <a:r>
+              <a:rPr lang="en-IN" sz="1200" b="0" dirty="0">
+                <a:solidFill>
+                  <a:srgbClr val="000000"/>
+                </a:solidFill>
+                <a:effectLst/>
+                <a:latin typeface="Consolas" panose="020B0609020204030204" pitchFamily="49" charset="0"/>
+              </a:rPr>
+              <a:t>())</a:t>
+            </a:r>
+            <a:r>
+              <a:rPr lang="en-IN" sz="1200" b="0" dirty="0">
+                <a:solidFill>
+                  <a:srgbClr val="0000FF"/>
+                </a:solidFill>
+                <a:effectLst/>
+                <a:latin typeface="Consolas" panose="020B0609020204030204" pitchFamily="49" charset="0"/>
+              </a:rPr>
+              <a:t>}</a:t>
+            </a:r>
+            <a:r>
+              <a:rPr lang="en-IN" sz="1200" b="0" dirty="0">
+                <a:solidFill>
+                  <a:srgbClr val="800000"/>
+                </a:solidFill>
+                <a:effectLst/>
+                <a:latin typeface="Consolas" panose="020B0609020204030204" pitchFamily="49" charset="0"/>
+              </a:rPr>
+              <a:t>&gt;</a:t>
+            </a:r>
+            <a:r>
+              <a:rPr lang="en-IN" sz="1200" b="0" dirty="0">
+                <a:solidFill>
+                  <a:srgbClr val="0000FF"/>
+                </a:solidFill>
+                <a:effectLst/>
+                <a:latin typeface="Consolas" panose="020B0609020204030204" pitchFamily="49" charset="0"/>
+              </a:rPr>
+              <a:t>{</a:t>
+            </a:r>
+            <a:r>
+              <a:rPr lang="en-IN" sz="1200" b="0" dirty="0">
+                <a:solidFill>
+                  <a:srgbClr val="000000"/>
+                </a:solidFill>
+                <a:effectLst/>
+                <a:latin typeface="Consolas" panose="020B0609020204030204" pitchFamily="49" charset="0"/>
+              </a:rPr>
+              <a:t>!users.</a:t>
+            </a:r>
+            <a:r>
+              <a:rPr lang="en-IN" sz="1200" b="0" dirty="0" err="1">
+                <a:solidFill>
+                  <a:srgbClr val="000000"/>
+                </a:solidFill>
+                <a:effectLst/>
+                <a:latin typeface="Consolas" panose="020B0609020204030204" pitchFamily="49" charset="0"/>
+              </a:rPr>
+              <a:t>isSubscribe</a:t>
+            </a:r>
+            <a:r>
+              <a:rPr lang="en-IN" sz="1200" b="0" dirty="0">
+                <a:solidFill>
+                  <a:srgbClr val="000000"/>
+                </a:solidFill>
+                <a:effectLst/>
+                <a:latin typeface="Consolas" panose="020B0609020204030204" pitchFamily="49" charset="0"/>
+              </a:rPr>
+              <a:t>?</a:t>
+            </a:r>
+            <a:r>
+              <a:rPr lang="en-IN" sz="1200" b="0" dirty="0">
+                <a:solidFill>
+                  <a:srgbClr val="A31515"/>
+                </a:solidFill>
+                <a:effectLst/>
+                <a:latin typeface="Consolas" panose="020B0609020204030204" pitchFamily="49" charset="0"/>
+              </a:rPr>
+              <a:t>'Subscribe'</a:t>
+            </a:r>
+            <a:r>
+              <a:rPr lang="en-IN" sz="1200" b="0" dirty="0">
+                <a:solidFill>
+                  <a:srgbClr val="000000"/>
+                </a:solidFill>
+                <a:effectLst/>
+                <a:latin typeface="Consolas" panose="020B0609020204030204" pitchFamily="49" charset="0"/>
+              </a:rPr>
+              <a:t>:</a:t>
+            </a:r>
+            <a:r>
+              <a:rPr lang="en-IN" sz="1200" b="0" dirty="0">
+                <a:solidFill>
+                  <a:srgbClr val="A31515"/>
+                </a:solidFill>
+                <a:effectLst/>
+                <a:latin typeface="Consolas" panose="020B0609020204030204" pitchFamily="49" charset="0"/>
+              </a:rPr>
+              <a:t>'</a:t>
+            </a:r>
+            <a:r>
+              <a:rPr lang="en-IN" sz="1200" b="0" dirty="0" err="1">
+                <a:solidFill>
+                  <a:srgbClr val="A31515"/>
+                </a:solidFill>
+                <a:effectLst/>
+                <a:latin typeface="Consolas" panose="020B0609020204030204" pitchFamily="49" charset="0"/>
+              </a:rPr>
+              <a:t>UnSubscribe</a:t>
+            </a:r>
+            <a:r>
+              <a:rPr lang="en-IN" sz="1200" b="0" dirty="0">
+                <a:solidFill>
+                  <a:srgbClr val="A31515"/>
+                </a:solidFill>
+                <a:effectLst/>
+                <a:latin typeface="Consolas" panose="020B0609020204030204" pitchFamily="49" charset="0"/>
+              </a:rPr>
+              <a:t>'</a:t>
+            </a:r>
+            <a:r>
+              <a:rPr lang="en-IN" sz="1200" b="0" dirty="0">
+                <a:solidFill>
+                  <a:srgbClr val="0000FF"/>
+                </a:solidFill>
+                <a:effectLst/>
+                <a:latin typeface="Consolas" panose="020B0609020204030204" pitchFamily="49" charset="0"/>
+              </a:rPr>
+              <a:t>}</a:t>
+            </a:r>
+            <a:r>
+              <a:rPr lang="en-IN" sz="1200" b="0" dirty="0">
+                <a:solidFill>
+                  <a:srgbClr val="800000"/>
+                </a:solidFill>
+                <a:effectLst/>
+                <a:latin typeface="Consolas" panose="020B0609020204030204" pitchFamily="49" charset="0"/>
+              </a:rPr>
+              <a:t>&lt;/button&gt;</a:t>
+            </a:r>
+            <a:r>
+              <a:rPr lang="en-IN" sz="1200" b="0" dirty="0">
+                <a:solidFill>
+                  <a:srgbClr val="000000"/>
+                </a:solidFill>
+                <a:effectLst/>
+                <a:latin typeface="Consolas" panose="020B0609020204030204" pitchFamily="49" charset="0"/>
+              </a:rPr>
+              <a:t>  </a:t>
+            </a:r>
+          </a:p>
+          <a:p>
+            <a:r>
+              <a:rPr lang="en-IN" sz="1200" b="0" dirty="0">
+                <a:solidFill>
+                  <a:srgbClr val="000000"/>
+                </a:solidFill>
+                <a:effectLst/>
+                <a:latin typeface="Consolas" panose="020B0609020204030204" pitchFamily="49" charset="0"/>
+              </a:rPr>
+              <a:t>    </a:t>
+            </a:r>
+            <a:r>
+              <a:rPr lang="en-IN" sz="1200" b="0" dirty="0">
+                <a:solidFill>
+                  <a:srgbClr val="800000"/>
+                </a:solidFill>
+                <a:effectLst/>
+                <a:latin typeface="Consolas" panose="020B0609020204030204" pitchFamily="49" charset="0"/>
+              </a:rPr>
+              <a:t>&lt;/&gt;</a:t>
+            </a:r>
+            <a:endParaRPr lang="en-IN" sz="1200" b="0" dirty="0">
+              <a:solidFill>
+                <a:srgbClr val="000000"/>
+              </a:solidFill>
+              <a:effectLst/>
+              <a:latin typeface="Consolas" panose="020B0609020204030204" pitchFamily="49" charset="0"/>
+            </a:endParaRPr>
+          </a:p>
+          <a:p>
+            <a:r>
+              <a:rPr lang="en-IN" sz="1200" b="0" dirty="0">
+                <a:solidFill>
+                  <a:srgbClr val="000000"/>
+                </a:solidFill>
+                <a:effectLst/>
+                <a:latin typeface="Consolas" panose="020B0609020204030204" pitchFamily="49" charset="0"/>
+              </a:rPr>
+              <a:t>  );</a:t>
+            </a:r>
+          </a:p>
+          <a:p>
+            <a:r>
+              <a:rPr lang="en-IN" sz="1200" b="0" dirty="0">
+                <a:solidFill>
+                  <a:srgbClr val="000000"/>
+                </a:solidFill>
+                <a:effectLst/>
+                <a:latin typeface="Consolas" panose="020B0609020204030204" pitchFamily="49" charset="0"/>
+              </a:rPr>
+              <a:t>}</a:t>
+            </a:r>
+          </a:p>
+          <a:p>
+            <a:br>
+              <a:rPr lang="en-IN" sz="1200" b="0" dirty="0">
+                <a:solidFill>
+                  <a:srgbClr val="000000"/>
+                </a:solidFill>
+                <a:effectLst/>
+                <a:latin typeface="Consolas" panose="020B0609020204030204" pitchFamily="49" charset="0"/>
+              </a:rPr>
+            </a:br>
+            <a:r>
+              <a:rPr lang="en-IN" sz="1200" b="0" dirty="0">
+                <a:solidFill>
+                  <a:srgbClr val="0000FF"/>
+                </a:solidFill>
+                <a:effectLst/>
+                <a:latin typeface="Consolas" panose="020B0609020204030204" pitchFamily="49" charset="0"/>
+              </a:rPr>
+              <a:t>export</a:t>
+            </a:r>
+            <a:r>
+              <a:rPr lang="en-IN" sz="1200" b="0" dirty="0">
+                <a:solidFill>
+                  <a:srgbClr val="000000"/>
+                </a:solidFill>
+                <a:effectLst/>
+                <a:latin typeface="Consolas" panose="020B0609020204030204" pitchFamily="49" charset="0"/>
+              </a:rPr>
+              <a:t> </a:t>
+            </a:r>
+            <a:r>
+              <a:rPr lang="en-IN" sz="1200" b="0" dirty="0">
+                <a:solidFill>
+                  <a:srgbClr val="0000FF"/>
+                </a:solidFill>
+                <a:effectLst/>
+                <a:latin typeface="Consolas" panose="020B0609020204030204" pitchFamily="49" charset="0"/>
+              </a:rPr>
+              <a:t>default</a:t>
+            </a:r>
+            <a:r>
+              <a:rPr lang="en-IN" sz="1200" b="0" dirty="0">
+                <a:solidFill>
+                  <a:srgbClr val="000000"/>
+                </a:solidFill>
+                <a:effectLst/>
+                <a:latin typeface="Consolas" panose="020B0609020204030204" pitchFamily="49" charset="0"/>
+              </a:rPr>
+              <a:t> App;</a:t>
+            </a:r>
+            <a:endParaRPr lang="en-IN" sz="1200" dirty="0">
+              <a:latin typeface="Verdana" panose="020B0604030504040204" pitchFamily="34" charset="0"/>
+              <a:ea typeface="Verdana" panose="020B0604030504040204" pitchFamily="34" charset="0"/>
+            </a:endParaRPr>
+          </a:p>
+        </p:txBody>
+      </p:sp>
+    </p:spTree>
+    <p:extLst>
+      <p:ext uri="{BB962C8B-B14F-4D97-AF65-F5344CB8AC3E}">
+        <p14:creationId xmlns:p14="http://schemas.microsoft.com/office/powerpoint/2010/main" val="1628230842"/>
+      </p:ext>
+    </p:extLst>
+  </p:cSld>
+  <p:clrMapOvr>
+    <a:masterClrMapping/>
+  </p:clrMapOvr>
+</p:sld>
+</file>
+
 <file path=ppt/slides/slide2.xml><?xml version="1.0" encoding="utf-8"?>
 <p:sld xmlns:a="http://schemas.openxmlformats.org/drawingml/2006/main" xmlns:r="http://schemas.openxmlformats.org/officeDocument/2006/relationships" xmlns:p="http://schemas.openxmlformats.org/presentationml/2006/main">
   <p:cSld>

--- a/doc/React-5.pptx
+++ b/doc/React-5.pptx
@@ -16,7 +16,8 @@
     <p:sldId id="267" r:id="rId10"/>
     <p:sldId id="268" r:id="rId11"/>
     <p:sldId id="269" r:id="rId12"/>
-    <p:sldId id="270" r:id="rId13"/>
+    <p:sldId id="271" r:id="rId13"/>
+    <p:sldId id="270" r:id="rId14"/>
   </p:sldIdLst>
   <p:sldSz cx="12192000" cy="6858000"/>
   <p:notesSz cx="6858000" cy="9144000"/>
@@ -5640,6 +5641,458 @@
         <p:spPr>
           <a:xfrm>
             <a:off x="132521" y="956041"/>
+            <a:ext cx="11228058" cy="2308324"/>
+          </a:xfrm>
+          <a:prstGeom prst="rect">
+            <a:avLst/>
+          </a:prstGeom>
+          <a:noFill/>
+        </p:spPr>
+        <p:txBody>
+          <a:bodyPr wrap="square" rtlCol="0">
+            <a:spAutoFit/>
+          </a:bodyPr>
+          <a:lstStyle/>
+          <a:p>
+            <a:r>
+              <a:rPr lang="en-US" sz="1600" b="1" dirty="0">
+                <a:effectLst/>
+                <a:latin typeface="Verdana" panose="020B0604030504040204" pitchFamily="34" charset="0"/>
+                <a:ea typeface="Verdana" panose="020B0604030504040204" pitchFamily="34" charset="0"/>
+              </a:rPr>
+              <a:t>Redux - Async</a:t>
+            </a:r>
+          </a:p>
+          <a:p>
+            <a:r>
+              <a:rPr lang="en-US" sz="1600" b="1" dirty="0">
+                <a:effectLst/>
+                <a:latin typeface="Verdana" panose="020B0604030504040204" pitchFamily="34" charset="0"/>
+                <a:ea typeface="Verdana" panose="020B0604030504040204" pitchFamily="34" charset="0"/>
+              </a:rPr>
+              <a:t>  </a:t>
+            </a:r>
+          </a:p>
+          <a:p>
+            <a:r>
+              <a:rPr lang="en-US" sz="1600" dirty="0">
+                <a:effectLst/>
+                <a:latin typeface="Verdana" panose="020B0604030504040204" pitchFamily="34" charset="0"/>
+                <a:ea typeface="Verdana" panose="020B0604030504040204" pitchFamily="34" charset="0"/>
+              </a:rPr>
+              <a:t>    - How the Redux data flow works with async data</a:t>
+            </a:r>
+          </a:p>
+          <a:p>
+            <a:r>
+              <a:rPr lang="en-US" sz="1600" dirty="0">
+                <a:effectLst/>
+                <a:latin typeface="Verdana" panose="020B0604030504040204" pitchFamily="34" charset="0"/>
+                <a:ea typeface="Verdana" panose="020B0604030504040204" pitchFamily="34" charset="0"/>
+              </a:rPr>
+              <a:t>    - How to use Redux middleware for async logic</a:t>
+            </a:r>
+          </a:p>
+          <a:p>
+            <a:r>
+              <a:rPr lang="en-US" sz="1600" dirty="0">
+                <a:effectLst/>
+                <a:latin typeface="Verdana" panose="020B0604030504040204" pitchFamily="34" charset="0"/>
+                <a:ea typeface="Verdana" panose="020B0604030504040204" pitchFamily="34" charset="0"/>
+              </a:rPr>
+              <a:t>    - Patterns for handling async request state</a:t>
+            </a:r>
+          </a:p>
+          <a:p>
+            <a:endParaRPr lang="en-US" sz="1600" dirty="0">
+              <a:effectLst/>
+              <a:latin typeface="Verdana" panose="020B0604030504040204" pitchFamily="34" charset="0"/>
+              <a:ea typeface="Verdana" panose="020B0604030504040204" pitchFamily="34" charset="0"/>
+            </a:endParaRPr>
+          </a:p>
+          <a:p>
+            <a:r>
+              <a:rPr lang="en-US" sz="1600" b="1" dirty="0" err="1">
+                <a:effectLst/>
+                <a:latin typeface="Verdana" panose="020B0604030504040204" pitchFamily="34" charset="0"/>
+                <a:ea typeface="Verdana" panose="020B0604030504040204" pitchFamily="34" charset="0"/>
+              </a:rPr>
+              <a:t>Thunk</a:t>
+            </a:r>
+            <a:endParaRPr lang="en-US" sz="1600" b="1" dirty="0">
+              <a:effectLst/>
+              <a:latin typeface="Verdana" panose="020B0604030504040204" pitchFamily="34" charset="0"/>
+              <a:ea typeface="Verdana" panose="020B0604030504040204" pitchFamily="34" charset="0"/>
+            </a:endParaRPr>
+          </a:p>
+          <a:p>
+            <a:r>
+              <a:rPr lang="en-US" sz="1600" dirty="0">
+                <a:effectLst/>
+                <a:latin typeface="Verdana" panose="020B0604030504040204" pitchFamily="34" charset="0"/>
+                <a:ea typeface="Verdana" panose="020B0604030504040204" pitchFamily="34" charset="0"/>
+              </a:rPr>
+              <a:t>    - this package is mainly used for </a:t>
+            </a:r>
+            <a:r>
+              <a:rPr lang="en-US" sz="1600">
+                <a:effectLst/>
+                <a:latin typeface="Verdana" panose="020B0604030504040204" pitchFamily="34" charset="0"/>
+                <a:ea typeface="Verdana" panose="020B0604030504040204" pitchFamily="34" charset="0"/>
+              </a:rPr>
+              <a:t>communicate between  </a:t>
+            </a:r>
+            <a:r>
+              <a:rPr lang="en-US" sz="1600" dirty="0">
+                <a:effectLst/>
+                <a:latin typeface="Verdana" panose="020B0604030504040204" pitchFamily="34" charset="0"/>
+                <a:ea typeface="Verdana" panose="020B0604030504040204" pitchFamily="34" charset="0"/>
+              </a:rPr>
+              <a:t>action and reducer</a:t>
+            </a:r>
+          </a:p>
+          <a:p>
+            <a:r>
+              <a:rPr lang="en-IN" sz="1600" dirty="0">
+                <a:solidFill>
+                  <a:srgbClr val="000000"/>
+                </a:solidFill>
+                <a:effectLst/>
+                <a:latin typeface="Verdana" panose="020B0604030504040204" pitchFamily="34" charset="0"/>
+                <a:ea typeface="Verdana" panose="020B0604030504040204" pitchFamily="34" charset="0"/>
+              </a:rPr>
+              <a:t>    </a:t>
+            </a:r>
+          </a:p>
+        </p:txBody>
+      </p:sp>
+    </p:spTree>
+    <p:extLst>
+      <p:ext uri="{BB962C8B-B14F-4D97-AF65-F5344CB8AC3E}">
+        <p14:creationId xmlns:p14="http://schemas.microsoft.com/office/powerpoint/2010/main" val="2160390351"/>
+      </p:ext>
+    </p:extLst>
+  </p:cSld>
+  <p:clrMapOvr>
+    <a:masterClrMapping/>
+  </p:clrMapOvr>
+</p:sld>
+</file>
+
+<file path=ppt/slides/slide12.xml><?xml version="1.0" encoding="utf-8"?>
+<p:sld xmlns:a="http://schemas.openxmlformats.org/drawingml/2006/main" xmlns:r="http://schemas.openxmlformats.org/officeDocument/2006/relationships" xmlns:p="http://schemas.openxmlformats.org/presentationml/2006/main">
+  <p:cSld>
+    <p:spTree>
+      <p:nvGrpSpPr>
+        <p:cNvPr id="1" name=""/>
+        <p:cNvGrpSpPr/>
+        <p:nvPr/>
+      </p:nvGrpSpPr>
+      <p:grpSpPr>
+        <a:xfrm>
+          <a:off x="0" y="0"/>
+          <a:ext cx="0" cy="0"/>
+          <a:chOff x="0" y="0"/>
+          <a:chExt cx="0" cy="0"/>
+        </a:xfrm>
+      </p:grpSpPr>
+      <p:sp>
+        <p:nvSpPr>
+          <p:cNvPr id="8" name="Rectangle 7">
+            <a:extLst>
+              <a:ext uri="{FF2B5EF4-FFF2-40B4-BE49-F238E27FC236}">
+                <a16:creationId xmlns:a16="http://schemas.microsoft.com/office/drawing/2014/main" id="{F6828A24-A604-4414-A7C8-2C2C21EC3AB8}"/>
+              </a:ext>
+            </a:extLst>
+          </p:cNvPr>
+          <p:cNvSpPr/>
+          <p:nvPr/>
+        </p:nvSpPr>
+        <p:spPr>
+          <a:xfrm>
+            <a:off x="0" y="0"/>
+            <a:ext cx="12192000" cy="6679096"/>
+          </a:xfrm>
+          <a:prstGeom prst="rect">
+            <a:avLst/>
+          </a:prstGeom>
+          <a:solidFill>
+            <a:schemeClr val="tx2">
+              <a:lumMod val="20000"/>
+              <a:lumOff val="80000"/>
+            </a:schemeClr>
+          </a:solidFill>
+          <a:ln>
+            <a:noFill/>
+          </a:ln>
+        </p:spPr>
+        <p:style>
+          <a:lnRef idx="2">
+            <a:schemeClr val="accent6"/>
+          </a:lnRef>
+          <a:fillRef idx="1">
+            <a:schemeClr val="lt1"/>
+          </a:fillRef>
+          <a:effectRef idx="0">
+            <a:schemeClr val="accent6"/>
+          </a:effectRef>
+          <a:fontRef idx="minor">
+            <a:schemeClr val="dk1"/>
+          </a:fontRef>
+        </p:style>
+        <p:txBody>
+          <a:bodyPr rtlCol="0" anchor="ctr"/>
+          <a:lstStyle/>
+          <a:p>
+            <a:pPr algn="ctr"/>
+            <a:endParaRPr lang="en-IN"/>
+          </a:p>
+        </p:txBody>
+      </p:sp>
+      <p:sp>
+        <p:nvSpPr>
+          <p:cNvPr id="9" name="TextBox 8">
+            <a:extLst>
+              <a:ext uri="{FF2B5EF4-FFF2-40B4-BE49-F238E27FC236}">
+                <a16:creationId xmlns:a16="http://schemas.microsoft.com/office/drawing/2014/main" id="{3B153EE9-33A6-41D0-AF92-E7242DD2143E}"/>
+              </a:ext>
+            </a:extLst>
+          </p:cNvPr>
+          <p:cNvSpPr txBox="1"/>
+          <p:nvPr/>
+        </p:nvSpPr>
+        <p:spPr>
+          <a:xfrm>
+            <a:off x="168812" y="31165"/>
+            <a:ext cx="11228058" cy="651525"/>
+          </a:xfrm>
+          <a:prstGeom prst="rect">
+            <a:avLst/>
+          </a:prstGeom>
+          <a:noFill/>
+        </p:spPr>
+        <p:txBody>
+          <a:bodyPr wrap="square" rtlCol="0">
+            <a:spAutoFit/>
+          </a:bodyPr>
+          <a:lstStyle/>
+          <a:p>
+            <a:pPr>
+              <a:lnSpc>
+                <a:spcPct val="150000"/>
+              </a:lnSpc>
+            </a:pPr>
+            <a:r>
+              <a:rPr lang="en-IN" sz="2800" b="1" i="0" dirty="0">
+                <a:solidFill>
+                  <a:srgbClr val="0A0A23"/>
+                </a:solidFill>
+                <a:effectLst/>
+                <a:latin typeface="Verdana" panose="020B0604030504040204" pitchFamily="34" charset="0"/>
+                <a:ea typeface="Verdana" panose="020B0604030504040204" pitchFamily="34" charset="0"/>
+              </a:rPr>
+              <a:t>Redux in ReactJS – A</a:t>
+            </a:r>
+            <a:r>
+              <a:rPr lang="en-IN" sz="2800" b="1" dirty="0">
+                <a:latin typeface="Verdana" panose="020B0604030504040204" pitchFamily="34" charset="0"/>
+                <a:ea typeface="Verdana" panose="020B0604030504040204" pitchFamily="34" charset="0"/>
+              </a:rPr>
+              <a:t>sync redux &amp;</a:t>
+            </a:r>
+            <a:r>
+              <a:rPr lang="en-IN" sz="2800" dirty="0">
+                <a:latin typeface="Verdana" panose="020B0604030504040204" pitchFamily="34" charset="0"/>
+                <a:ea typeface="Verdana" panose="020B0604030504040204" pitchFamily="34" charset="0"/>
+              </a:rPr>
+              <a:t> </a:t>
+            </a:r>
+            <a:r>
+              <a:rPr lang="en-IN" sz="2800" b="1" dirty="0">
+                <a:latin typeface="Verdana" panose="020B0604030504040204" pitchFamily="34" charset="0"/>
+                <a:ea typeface="Verdana" panose="020B0604030504040204" pitchFamily="34" charset="0"/>
+              </a:rPr>
+              <a:t>Middleware</a:t>
+            </a:r>
+            <a:endParaRPr lang="en-IN" sz="2800" i="0" dirty="0">
+              <a:solidFill>
+                <a:srgbClr val="0A0A23"/>
+              </a:solidFill>
+              <a:effectLst/>
+              <a:latin typeface="Verdana" panose="020B0604030504040204" pitchFamily="34" charset="0"/>
+              <a:ea typeface="Verdana" panose="020B0604030504040204" pitchFamily="34" charset="0"/>
+            </a:endParaRPr>
+          </a:p>
+        </p:txBody>
+      </p:sp>
+      <p:sp>
+        <p:nvSpPr>
+          <p:cNvPr id="10" name="TextBox 9">
+            <a:extLst>
+              <a:ext uri="{FF2B5EF4-FFF2-40B4-BE49-F238E27FC236}">
+                <a16:creationId xmlns:a16="http://schemas.microsoft.com/office/drawing/2014/main" id="{0464230E-1DD5-4FCE-BBDA-ACE54AD381FE}"/>
+              </a:ext>
+            </a:extLst>
+          </p:cNvPr>
+          <p:cNvSpPr txBox="1"/>
+          <p:nvPr/>
+        </p:nvSpPr>
+        <p:spPr>
+          <a:xfrm>
+            <a:off x="208670" y="956041"/>
+            <a:ext cx="7437834" cy="461665"/>
+          </a:xfrm>
+          <a:prstGeom prst="rect">
+            <a:avLst/>
+          </a:prstGeom>
+          <a:noFill/>
+        </p:spPr>
+        <p:txBody>
+          <a:bodyPr wrap="square" rtlCol="0">
+            <a:spAutoFit/>
+          </a:bodyPr>
+          <a:lstStyle/>
+          <a:p>
+            <a:br>
+              <a:rPr lang="en-IN" sz="1200" b="0" dirty="0">
+                <a:solidFill>
+                  <a:srgbClr val="000000"/>
+                </a:solidFill>
+                <a:effectLst/>
+                <a:latin typeface="Consolas" panose="020B0609020204030204" pitchFamily="49" charset="0"/>
+              </a:rPr>
+            </a:br>
+            <a:r>
+              <a:rPr lang="en-IN" sz="1200" b="0" dirty="0">
+                <a:solidFill>
+                  <a:srgbClr val="000000"/>
+                </a:solidFill>
+                <a:effectLst/>
+                <a:latin typeface="Consolas" panose="020B0609020204030204" pitchFamily="49" charset="0"/>
+              </a:rPr>
+              <a:t> </a:t>
+            </a:r>
+            <a:endParaRPr lang="en-IN" sz="1200" dirty="0">
+              <a:latin typeface="Verdana" panose="020B0604030504040204" pitchFamily="34" charset="0"/>
+              <a:ea typeface="Verdana" panose="020B0604030504040204" pitchFamily="34" charset="0"/>
+            </a:endParaRPr>
+          </a:p>
+        </p:txBody>
+      </p:sp>
+      <p:sp>
+        <p:nvSpPr>
+          <p:cNvPr id="11" name="TextBox 10">
+            <a:extLst>
+              <a:ext uri="{FF2B5EF4-FFF2-40B4-BE49-F238E27FC236}">
+                <a16:creationId xmlns:a16="http://schemas.microsoft.com/office/drawing/2014/main" id="{A1E419C4-3330-42BC-B0B1-D9117D21AF01}"/>
+              </a:ext>
+            </a:extLst>
+          </p:cNvPr>
+          <p:cNvSpPr txBox="1"/>
+          <p:nvPr/>
+        </p:nvSpPr>
+        <p:spPr>
+          <a:xfrm>
+            <a:off x="6092638" y="928272"/>
+            <a:ext cx="5701800" cy="646331"/>
+          </a:xfrm>
+          <a:prstGeom prst="rect">
+            <a:avLst/>
+          </a:prstGeom>
+          <a:noFill/>
+        </p:spPr>
+        <p:txBody>
+          <a:bodyPr wrap="square" rtlCol="0">
+            <a:spAutoFit/>
+          </a:bodyPr>
+          <a:lstStyle/>
+          <a:p>
+            <a:endParaRPr lang="en-IN" sz="1200" b="0" dirty="0">
+              <a:solidFill>
+                <a:srgbClr val="000000"/>
+              </a:solidFill>
+              <a:effectLst/>
+              <a:latin typeface="Consolas" panose="020B0609020204030204" pitchFamily="49" charset="0"/>
+            </a:endParaRPr>
+          </a:p>
+          <a:p>
+            <a:pPr indent="-285750">
+              <a:buFontTx/>
+              <a:buChar char="-"/>
+            </a:pPr>
+            <a:endParaRPr lang="en-US" sz="1200" dirty="0">
+              <a:latin typeface="Verdana" panose="020B0604030504040204" pitchFamily="34" charset="0"/>
+              <a:ea typeface="Verdana" panose="020B0604030504040204" pitchFamily="34" charset="0"/>
+            </a:endParaRPr>
+          </a:p>
+          <a:p>
+            <a:pPr indent="-285750">
+              <a:buFontTx/>
+              <a:buChar char="-"/>
+            </a:pPr>
+            <a:endParaRPr lang="en-IN" sz="1200" dirty="0">
+              <a:latin typeface="Verdana" panose="020B0604030504040204" pitchFamily="34" charset="0"/>
+              <a:ea typeface="Verdana" panose="020B0604030504040204" pitchFamily="34" charset="0"/>
+            </a:endParaRPr>
+          </a:p>
+        </p:txBody>
+      </p:sp>
+      <p:sp>
+        <p:nvSpPr>
+          <p:cNvPr id="7" name="TextBox 6">
+            <a:extLst>
+              <a:ext uri="{FF2B5EF4-FFF2-40B4-BE49-F238E27FC236}">
+                <a16:creationId xmlns:a16="http://schemas.microsoft.com/office/drawing/2014/main" id="{EDAAC2C8-A1BE-4CFF-A201-87880B5E5B42}"/>
+              </a:ext>
+            </a:extLst>
+          </p:cNvPr>
+          <p:cNvSpPr txBox="1"/>
+          <p:nvPr/>
+        </p:nvSpPr>
+        <p:spPr>
+          <a:xfrm>
+            <a:off x="397561" y="464444"/>
+            <a:ext cx="6294787" cy="276999"/>
+          </a:xfrm>
+          <a:prstGeom prst="rect">
+            <a:avLst/>
+          </a:prstGeom>
+          <a:noFill/>
+        </p:spPr>
+        <p:txBody>
+          <a:bodyPr wrap="square" rtlCol="0">
+            <a:spAutoFit/>
+          </a:bodyPr>
+          <a:lstStyle/>
+          <a:p>
+            <a:r>
+              <a:rPr lang="en-IN" sz="1200" b="0" dirty="0">
+                <a:solidFill>
+                  <a:srgbClr val="000000"/>
+                </a:solidFill>
+                <a:effectLst/>
+                <a:latin typeface="Consolas" panose="020B0609020204030204" pitchFamily="49" charset="0"/>
+              </a:rPr>
+              <a:t>    </a:t>
+            </a:r>
+          </a:p>
+        </p:txBody>
+      </p:sp>
+      <p:sp>
+        <p:nvSpPr>
+          <p:cNvPr id="18" name="TextBox 17">
+            <a:extLst>
+              <a:ext uri="{FF2B5EF4-FFF2-40B4-BE49-F238E27FC236}">
+                <a16:creationId xmlns:a16="http://schemas.microsoft.com/office/drawing/2014/main" id="{69587FBB-79BD-4F8F-9FC2-573E34753EAE}"/>
+              </a:ext>
+            </a:extLst>
+          </p:cNvPr>
+          <p:cNvSpPr txBox="1"/>
+          <p:nvPr/>
+        </p:nvSpPr>
+        <p:spPr>
+          <a:xfrm>
+            <a:off x="132521" y="956041"/>
             <a:ext cx="4876804" cy="4893647"/>
           </a:xfrm>
           <a:prstGeom prst="rect">
@@ -7573,7 +8026,7 @@
     </p:spTree>
     <p:extLst>
       <p:ext uri="{BB962C8B-B14F-4D97-AF65-F5344CB8AC3E}">
-        <p14:creationId xmlns:p14="http://schemas.microsoft.com/office/powerpoint/2010/main" val="2160390351"/>
+        <p14:creationId xmlns:p14="http://schemas.microsoft.com/office/powerpoint/2010/main" val="2152064731"/>
       </p:ext>
     </p:extLst>
   </p:cSld>
@@ -7583,7 +8036,7 @@
 </p:sld>
 </file>
 
-<file path=ppt/slides/slide12.xml><?xml version="1.0" encoding="utf-8"?>
+<file path=ppt/slides/slide13.xml><?xml version="1.0" encoding="utf-8"?>
 <p:sld xmlns:a="http://schemas.openxmlformats.org/drawingml/2006/main" xmlns:r="http://schemas.openxmlformats.org/officeDocument/2006/relationships" xmlns:p="http://schemas.openxmlformats.org/presentationml/2006/main">
   <p:cSld>
     <p:spTree>
